--- a/MarkusLeonardWijaya/Draft Proposal-Markus Leonard Wijaya.pptx
+++ b/MarkusLeonardWijaya/Draft Proposal-Markus Leonard Wijaya.pptx
@@ -2,21 +2,21 @@
 <file path=ppt/presentation.xml><?xml version="1.0" encoding="utf-8"?>
 <p:presentation xmlns:a="http://schemas.openxmlformats.org/drawingml/2006/main" xmlns:r="http://schemas.openxmlformats.org/officeDocument/2006/relationships" xmlns:mc="http://schemas.openxmlformats.org/markup-compatibility/2006" xmlns:mv="urn:schemas-microsoft-com:mac:vml" xmlns:p="http://schemas.openxmlformats.org/presentationml/2006/main" xmlns:c="http://schemas.openxmlformats.org/drawingml/2006/chart" xmlns:dgm="http://schemas.openxmlformats.org/drawingml/2006/diagram" xmlns:o="urn:schemas-microsoft-com:office:office" xmlns:v="urn:schemas-microsoft-com:vml" xmlns:pvml="urn:schemas-microsoft-com:office:powerpoint" xmlns:com="http://schemas.openxmlformats.org/drawingml/2006/compatibility" xmlns:p14="http://schemas.microsoft.com/office/powerpoint/2010/main" xmlns:p15="http://schemas.microsoft.com/office/powerpoint/2012/main" xmlns:ahyp="http://schemas.microsoft.com/office/drawing/2018/hyperlinkcolor" autoCompressPictures="0" strictFirstAndLastChars="0" saveSubsetFonts="1">
   <p:sldMasterIdLst>
-    <p:sldMasterId id="2147483670" r:id="rId4"/>
-    <p:sldMasterId id="2147483671" r:id="rId5"/>
+    <p:sldMasterId id="2147483670" r:id="rId5"/>
+    <p:sldMasterId id="2147483671" r:id="rId6"/>
   </p:sldMasterIdLst>
   <p:notesMasterIdLst>
-    <p:notesMasterId r:id="rId6"/>
+    <p:notesMasterId r:id="rId7"/>
   </p:notesMasterIdLst>
   <p:sldIdLst>
-    <p:sldId id="256" r:id="rId7"/>
-    <p:sldId id="257" r:id="rId8"/>
-    <p:sldId id="258" r:id="rId9"/>
-    <p:sldId id="259" r:id="rId10"/>
-    <p:sldId id="260" r:id="rId11"/>
-    <p:sldId id="261" r:id="rId12"/>
-    <p:sldId id="262" r:id="rId13"/>
-    <p:sldId id="263" r:id="rId14"/>
+    <p:sldId id="256" r:id="rId8"/>
+    <p:sldId id="257" r:id="rId9"/>
+    <p:sldId id="258" r:id="rId10"/>
+    <p:sldId id="259" r:id="rId11"/>
+    <p:sldId id="260" r:id="rId12"/>
+    <p:sldId id="261" r:id="rId13"/>
+    <p:sldId id="262" r:id="rId14"/>
+    <p:sldId id="263" r:id="rId15"/>
   </p:sldIdLst>
   <p:sldSz cy="5143500" cx="9144000"/>
   <p:notesSz cx="6858000" cy="9144000"/>
@@ -933,7 +933,7 @@
   <p:cSld>
     <p:spTree>
       <p:nvGrpSpPr>
-        <p:cNvPr id="108" name="Shape 108"/>
+        <p:cNvPr id="109" name="Shape 109"/>
         <p:cNvGrpSpPr/>
         <p:nvPr/>
       </p:nvGrpSpPr>
@@ -947,7 +947,7 @@
       </p:grpSpPr>
       <p:sp>
         <p:nvSpPr>
-          <p:cNvPr id="109" name="Google Shape;109;g265d49ddff8_1_57:notes"/>
+          <p:cNvPr id="110" name="Google Shape;110;g265d49ddff8_1_57:notes"/>
           <p:cNvSpPr/>
           <p:nvPr>
             <p:ph idx="2" type="sldImg"/>
@@ -992,7 +992,7 @@
       </p:sp>
       <p:sp>
         <p:nvSpPr>
-          <p:cNvPr id="110" name="Google Shape;110;g265d49ddff8_1_57:notes"/>
+          <p:cNvPr id="111" name="Google Shape;111;g265d49ddff8_1_57:notes"/>
           <p:cNvSpPr txBox="1"/>
           <p:nvPr>
             <p:ph idx="1" type="body"/>
@@ -1050,7 +1050,7 @@
   <p:cSld>
     <p:spTree>
       <p:nvGrpSpPr>
-        <p:cNvPr id="114" name="Shape 114"/>
+        <p:cNvPr id="115" name="Shape 115"/>
         <p:cNvGrpSpPr/>
         <p:nvPr/>
       </p:nvGrpSpPr>
@@ -1064,7 +1064,7 @@
       </p:grpSpPr>
       <p:sp>
         <p:nvSpPr>
-          <p:cNvPr id="115" name="Google Shape;115;g265d49ddff8_1_62:notes"/>
+          <p:cNvPr id="116" name="Google Shape;116;g265d49ddff8_1_62:notes"/>
           <p:cNvSpPr/>
           <p:nvPr>
             <p:ph idx="2" type="sldImg"/>
@@ -1109,7 +1109,7 @@
       </p:sp>
       <p:sp>
         <p:nvSpPr>
-          <p:cNvPr id="116" name="Google Shape;116;g265d49ddff8_1_62:notes"/>
+          <p:cNvPr id="117" name="Google Shape;117;g265d49ddff8_1_62:notes"/>
           <p:cNvSpPr txBox="1"/>
           <p:nvPr>
             <p:ph idx="1" type="body"/>
@@ -1167,7 +1167,7 @@
   <p:cSld>
     <p:spTree>
       <p:nvGrpSpPr>
-        <p:cNvPr id="120" name="Shape 120"/>
+        <p:cNvPr id="121" name="Shape 121"/>
         <p:cNvGrpSpPr/>
         <p:nvPr/>
       </p:nvGrpSpPr>
@@ -1181,7 +1181,7 @@
       </p:grpSpPr>
       <p:sp>
         <p:nvSpPr>
-          <p:cNvPr id="121" name="Google Shape;121;g265d49ddff8_1_67:notes"/>
+          <p:cNvPr id="122" name="Google Shape;122;g265d49ddff8_1_67:notes"/>
           <p:cNvSpPr/>
           <p:nvPr>
             <p:ph idx="2" type="sldImg"/>
@@ -1226,7 +1226,7 @@
       </p:sp>
       <p:sp>
         <p:nvSpPr>
-          <p:cNvPr id="122" name="Google Shape;122;g265d49ddff8_1_67:notes"/>
+          <p:cNvPr id="123" name="Google Shape;123;g265d49ddff8_1_67:notes"/>
           <p:cNvSpPr txBox="1"/>
           <p:nvPr>
             <p:ph idx="1" type="body"/>
@@ -1284,7 +1284,7 @@
   <p:cSld>
     <p:spTree>
       <p:nvGrpSpPr>
-        <p:cNvPr id="126" name="Shape 126"/>
+        <p:cNvPr id="127" name="Shape 127"/>
         <p:cNvGrpSpPr/>
         <p:nvPr/>
       </p:nvGrpSpPr>
@@ -1298,7 +1298,7 @@
       </p:grpSpPr>
       <p:sp>
         <p:nvSpPr>
-          <p:cNvPr id="127" name="Google Shape;127;g265d49ddff8_1_77:notes"/>
+          <p:cNvPr id="128" name="Google Shape;128;g265d49ddff8_1_77:notes"/>
           <p:cNvSpPr/>
           <p:nvPr>
             <p:ph idx="2" type="sldImg"/>
@@ -1343,7 +1343,7 @@
       </p:sp>
       <p:sp>
         <p:nvSpPr>
-          <p:cNvPr id="128" name="Google Shape;128;g265d49ddff8_1_77:notes"/>
+          <p:cNvPr id="129" name="Google Shape;129;g265d49ddff8_1_77:notes"/>
           <p:cNvSpPr txBox="1"/>
           <p:nvPr>
             <p:ph idx="1" type="body"/>
@@ -1401,7 +1401,7 @@
   <p:cSld>
     <p:spTree>
       <p:nvGrpSpPr>
-        <p:cNvPr id="132" name="Shape 132"/>
+        <p:cNvPr id="133" name="Shape 133"/>
         <p:cNvGrpSpPr/>
         <p:nvPr/>
       </p:nvGrpSpPr>
@@ -1415,7 +1415,7 @@
       </p:grpSpPr>
       <p:sp>
         <p:nvSpPr>
-          <p:cNvPr id="133" name="Google Shape;133;g265d49ddff8_1_82:notes"/>
+          <p:cNvPr id="134" name="Google Shape;134;g265d49ddff8_1_82:notes"/>
           <p:cNvSpPr/>
           <p:nvPr>
             <p:ph idx="2" type="sldImg"/>
@@ -1460,7 +1460,7 @@
       </p:sp>
       <p:sp>
         <p:nvSpPr>
-          <p:cNvPr id="134" name="Google Shape;134;g265d49ddff8_1_82:notes"/>
+          <p:cNvPr id="135" name="Google Shape;135;g265d49ddff8_1_82:notes"/>
           <p:cNvSpPr txBox="1"/>
           <p:nvPr>
             <p:ph idx="1" type="body"/>
@@ -1518,7 +1518,7 @@
   <p:cSld>
     <p:spTree>
       <p:nvGrpSpPr>
-        <p:cNvPr id="138" name="Shape 138"/>
+        <p:cNvPr id="139" name="Shape 139"/>
         <p:cNvGrpSpPr/>
         <p:nvPr/>
       </p:nvGrpSpPr>
@@ -1532,7 +1532,7 @@
       </p:grpSpPr>
       <p:sp>
         <p:nvSpPr>
-          <p:cNvPr id="139" name="Google Shape;139;g265f8480a94_0_13:notes"/>
+          <p:cNvPr id="140" name="Google Shape;140;g265f8480a94_0_13:notes"/>
           <p:cNvSpPr/>
           <p:nvPr>
             <p:ph idx="2" type="sldImg"/>
@@ -1567,7 +1567,7 @@
       </p:sp>
       <p:sp>
         <p:nvSpPr>
-          <p:cNvPr id="140" name="Google Shape;140;g265f8480a94_0_13:notes"/>
+          <p:cNvPr id="141" name="Google Shape;141;g265f8480a94_0_13:notes"/>
           <p:cNvSpPr txBox="1"/>
           <p:nvPr>
             <p:ph idx="1" type="body"/>
@@ -14136,17 +14136,9 @@
             </a:r>
             <a:r>
               <a:rPr lang="en"/>
-              <a:t>Iis Afriyanti, S.Kom., M.Sc.</a:t>
+              <a:t>Iis Afriyanti, S.Kom., M.Sc. dan Adila Alfa Krisnadhi, M.Sc. </a:t>
             </a:r>
-            <a:endParaRPr b="0" i="0" sz="1400" u="none" cap="none" strike="noStrike">
-              <a:solidFill>
-                <a:srgbClr val="000000"/>
-              </a:solidFill>
-              <a:latin typeface="Arial"/>
-              <a:ea typeface="Arial"/>
-              <a:cs typeface="Arial"/>
-              <a:sym typeface="Arial"/>
-            </a:endParaRPr>
+            <a:endParaRPr/>
           </a:p>
           <a:p>
             <a:pPr indent="0" lvl="0" marL="0" marR="0" rtl="0" algn="l">
@@ -14179,18 +14171,14 @@
               <a:t>Lab Penelitian			: </a:t>
             </a:r>
             <a:r>
-              <a:rPr lang="en"/>
-              <a:t>PRICES</a:t>
+              <a:rPr lang="en">
+                <a:solidFill>
+                  <a:schemeClr val="dk1"/>
+                </a:solidFill>
+              </a:rPr>
+              <a:t>Reliable Software Engineering (RSE) Laboratory Fasilkom UI</a:t>
             </a:r>
-            <a:endParaRPr b="0" i="0" sz="1400" u="none" cap="none" strike="noStrike">
-              <a:solidFill>
-                <a:srgbClr val="000000"/>
-              </a:solidFill>
-              <a:latin typeface="Arial"/>
-              <a:ea typeface="Arial"/>
-              <a:cs typeface="Arial"/>
-              <a:sym typeface="Arial"/>
-            </a:endParaRPr>
+            <a:endParaRPr/>
           </a:p>
         </p:txBody>
       </p:sp>
@@ -14373,29 +14361,6 @@
               <a:rPr lang="en"/>
               <a:t>Iis Afriyanti, S.Kom., M.Sc.</a:t>
             </a:r>
-            <a:r>
-              <a:rPr lang="en"/>
-              <a:t> (……………ttd………..)</a:t>
-            </a:r>
-            <a:endParaRPr/>
-          </a:p>
-          <a:p>
-            <a:pPr indent="0" lvl="0" marL="114300" rtl="0" algn="l">
-              <a:lnSpc>
-                <a:spcPct val="115000"/>
-              </a:lnSpc>
-              <a:spcBef>
-                <a:spcPts val="0"/>
-              </a:spcBef>
-              <a:spcAft>
-                <a:spcPts val="0"/>
-              </a:spcAft>
-              <a:buSzPts val="1800"/>
-              <a:buNone/>
-            </a:pPr>
-            <a:r>
-              <a:t/>
-            </a:r>
             <a:endParaRPr/>
           </a:p>
           <a:p>
@@ -14422,12 +14387,159 @@
             </a:r>
             <a:r>
               <a:rPr lang="en"/>
-              <a:t> (……………ttd…………)</a:t>
+              <a:t> </a:t>
             </a:r>
             <a:endParaRPr/>
           </a:p>
         </p:txBody>
       </p:sp>
+      <p:graphicFrame>
+        <p:nvGraphicFramePr>
+          <p:cNvPr id="108" name="Google Shape;108;p26"/>
+          <p:cNvGraphicFramePr/>
+          <p:nvPr/>
+        </p:nvGraphicFramePr>
+        <p:xfrm>
+          <a:off x="311700" y="4279315"/>
+          <a:ext cx="3000000" cy="3000000"/>
+        </p:xfrm>
+        <a:graphic>
+          <a:graphicData uri="http://schemas.openxmlformats.org/drawingml/2006/table">
+            <a:tbl>
+              <a:tblPr bandRow="1" firstRow="1">
+                <a:noFill/>
+                <a:tableStyleId>{0F2BE1B6-6B50-4880-BBEF-7FC2622702BD}</a:tableStyleId>
+              </a:tblPr>
+              <a:tblGrid>
+                <a:gridCol w="4260300"/>
+                <a:gridCol w="4260300"/>
+              </a:tblGrid>
+              <a:tr h="370850">
+                <a:tc>
+                  <a:txBody>
+                    <a:bodyPr/>
+                    <a:lstStyle/>
+                    <a:p>
+                      <a:pPr indent="0" lvl="0" marL="114300" marR="0" rtl="0" algn="ctr">
+                        <a:lnSpc>
+                          <a:spcPct val="100000"/>
+                        </a:lnSpc>
+                        <a:spcBef>
+                          <a:spcPts val="0"/>
+                        </a:spcBef>
+                        <a:spcAft>
+                          <a:spcPts val="0"/>
+                        </a:spcAft>
+                        <a:buClr>
+                          <a:srgbClr val="000000"/>
+                        </a:buClr>
+                        <a:buSzPts val="1600"/>
+                        <a:buFont typeface="Arial"/>
+                        <a:buNone/>
+                      </a:pPr>
+                      <a:r>
+                        <a:rPr lang="en" sz="1600" u="none" cap="none" strike="noStrike">
+                          <a:solidFill>
+                            <a:srgbClr val="000000"/>
+                          </a:solidFill>
+                        </a:rPr>
+                        <a:t>Adila Alfa Krisnadhi, </a:t>
+                      </a:r>
+                      <a:endParaRPr/>
+                    </a:p>
+                    <a:p>
+                      <a:pPr indent="0" lvl="0" marL="114300" marR="0" rtl="0" algn="ctr">
+                        <a:lnSpc>
+                          <a:spcPct val="100000"/>
+                        </a:lnSpc>
+                        <a:spcBef>
+                          <a:spcPts val="0"/>
+                        </a:spcBef>
+                        <a:spcAft>
+                          <a:spcPts val="0"/>
+                        </a:spcAft>
+                        <a:buClr>
+                          <a:srgbClr val="000000"/>
+                        </a:buClr>
+                        <a:buSzPts val="1600"/>
+                        <a:buFont typeface="Arial"/>
+                        <a:buNone/>
+                      </a:pPr>
+                      <a:r>
+                        <a:rPr lang="en" sz="1600" u="none" cap="none" strike="noStrike">
+                          <a:solidFill>
+                            <a:srgbClr val="000000"/>
+                          </a:solidFill>
+                        </a:rPr>
+                        <a:t>S.Kom., M.Sc., Ph.D</a:t>
+                      </a:r>
+                      <a:endParaRPr sz="1600" u="none" cap="none" strike="noStrike"/>
+                    </a:p>
+                  </a:txBody>
+                  <a:tcPr marT="45725" marB="45725" marR="91450" marL="91450"/>
+                </a:tc>
+                <a:tc>
+                  <a:txBody>
+                    <a:bodyPr/>
+                    <a:lstStyle/>
+                    <a:p>
+                      <a:pPr indent="0" lvl="0" marL="0" marR="0" rtl="0" algn="ctr">
+                        <a:lnSpc>
+                          <a:spcPct val="100000"/>
+                        </a:lnSpc>
+                        <a:spcBef>
+                          <a:spcPts val="0"/>
+                        </a:spcBef>
+                        <a:spcAft>
+                          <a:spcPts val="0"/>
+                        </a:spcAft>
+                        <a:buClr>
+                          <a:srgbClr val="000000"/>
+                        </a:buClr>
+                        <a:buSzPts val="1600"/>
+                        <a:buFont typeface="Arial"/>
+                        <a:buNone/>
+                      </a:pPr>
+                      <a:r>
+                        <a:rPr lang="en" sz="1600" u="none" cap="none" strike="noStrike">
+                          <a:solidFill>
+                            <a:srgbClr val="000000"/>
+                          </a:solidFill>
+                        </a:rPr>
+                        <a:t>Iis Afriyanti, S.Kom., M.Sc.</a:t>
+                      </a:r>
+                      <a:endParaRPr sz="1600" u="none" cap="none" strike="noStrike">
+                        <a:solidFill>
+                          <a:srgbClr val="000000"/>
+                        </a:solidFill>
+                      </a:endParaRPr>
+                    </a:p>
+                    <a:p>
+                      <a:pPr indent="0" lvl="0" marL="0" marR="0" rtl="0" algn="l">
+                        <a:lnSpc>
+                          <a:spcPct val="100000"/>
+                        </a:lnSpc>
+                        <a:spcBef>
+                          <a:spcPts val="0"/>
+                        </a:spcBef>
+                        <a:spcAft>
+                          <a:spcPts val="0"/>
+                        </a:spcAft>
+                        <a:buNone/>
+                      </a:pPr>
+                      <a:r>
+                        <a:t/>
+                      </a:r>
+                      <a:endParaRPr sz="1600" u="none" cap="none" strike="noStrike"/>
+                    </a:p>
+                  </a:txBody>
+                  <a:tcPr marT="45725" marB="45725" marR="91450" marL="91450"/>
+                </a:tc>
+              </a:tr>
+            </a:tbl>
+          </a:graphicData>
+        </a:graphic>
+      </p:graphicFrame>
     </p:spTree>
   </p:cSld>
   <p:clrMapOvr>
@@ -14441,7 +14553,7 @@
   <p:cSld>
     <p:spTree>
       <p:nvGrpSpPr>
-        <p:cNvPr id="111" name="Shape 111"/>
+        <p:cNvPr id="112" name="Shape 112"/>
         <p:cNvGrpSpPr/>
         <p:nvPr/>
       </p:nvGrpSpPr>
@@ -14455,7 +14567,7 @@
       </p:grpSpPr>
       <p:sp>
         <p:nvSpPr>
-          <p:cNvPr id="112" name="Google Shape;112;p27"/>
+          <p:cNvPr id="113" name="Google Shape;113;p27"/>
           <p:cNvSpPr txBox="1"/>
           <p:nvPr>
             <p:ph type="title"/>
@@ -14503,7 +14615,7 @@
       </p:sp>
       <p:sp>
         <p:nvSpPr>
-          <p:cNvPr id="113" name="Google Shape;113;p27"/>
+          <p:cNvPr id="114" name="Google Shape;114;p27"/>
           <p:cNvSpPr txBox="1"/>
           <p:nvPr>
             <p:ph idx="1" type="body"/>
@@ -14571,7 +14683,7 @@
   <p:cSld>
     <p:spTree>
       <p:nvGrpSpPr>
-        <p:cNvPr id="117" name="Shape 117"/>
+        <p:cNvPr id="118" name="Shape 118"/>
         <p:cNvGrpSpPr/>
         <p:nvPr/>
       </p:nvGrpSpPr>
@@ -14585,7 +14697,7 @@
       </p:grpSpPr>
       <p:sp>
         <p:nvSpPr>
-          <p:cNvPr id="118" name="Google Shape;118;p28"/>
+          <p:cNvPr id="119" name="Google Shape;119;p28"/>
           <p:cNvSpPr txBox="1"/>
           <p:nvPr>
             <p:ph type="title"/>
@@ -14637,7 +14749,7 @@
       </p:sp>
       <p:sp>
         <p:nvSpPr>
-          <p:cNvPr id="119" name="Google Shape;119;p28"/>
+          <p:cNvPr id="120" name="Google Shape;120;p28"/>
           <p:cNvSpPr txBox="1"/>
           <p:nvPr>
             <p:ph idx="1" type="body"/>
@@ -14842,7 +14954,7 @@
   <p:cSld>
     <p:spTree>
       <p:nvGrpSpPr>
-        <p:cNvPr id="123" name="Shape 123"/>
+        <p:cNvPr id="124" name="Shape 124"/>
         <p:cNvGrpSpPr/>
         <p:nvPr/>
       </p:nvGrpSpPr>
@@ -14856,7 +14968,7 @@
       </p:grpSpPr>
       <p:sp>
         <p:nvSpPr>
-          <p:cNvPr id="124" name="Google Shape;124;p29"/>
+          <p:cNvPr id="125" name="Google Shape;125;p29"/>
           <p:cNvSpPr txBox="1"/>
           <p:nvPr>
             <p:ph type="title"/>
@@ -14904,7 +15016,7 @@
       </p:sp>
       <p:sp>
         <p:nvSpPr>
-          <p:cNvPr id="125" name="Google Shape;125;p29"/>
+          <p:cNvPr id="126" name="Google Shape;126;p29"/>
           <p:cNvSpPr txBox="1"/>
           <p:nvPr>
             <p:ph idx="1" type="body"/>
@@ -14930,6 +15042,34 @@
           <a:lstStyle/>
           <a:p>
             <a:pPr indent="-336550" lvl="0" marL="457200" rtl="0" algn="l">
+              <a:spcBef>
+                <a:spcPts val="0"/>
+              </a:spcBef>
+              <a:spcAft>
+                <a:spcPts val="0"/>
+              </a:spcAft>
+              <a:buClr>
+                <a:schemeClr val="dk1"/>
+              </a:buClr>
+              <a:buSzPts val="1700"/>
+              <a:buChar char="-"/>
+            </a:pPr>
+            <a:r>
+              <a:rPr lang="en" sz="1700">
+                <a:solidFill>
+                  <a:schemeClr val="dk1"/>
+                </a:solidFill>
+              </a:rPr>
+              <a:t>Review ontologi dan populasi data dummy</a:t>
+            </a:r>
+            <a:endParaRPr sz="1700">
+              <a:solidFill>
+                <a:schemeClr val="dk1"/>
+              </a:solidFill>
+            </a:endParaRPr>
+          </a:p>
+          <a:p>
+            <a:pPr indent="-336550" lvl="0" marL="457200" rtl="0" algn="l">
               <a:lnSpc>
                 <a:spcPct val="115000"/>
               </a:lnSpc>
@@ -14982,7 +15122,7 @@
                   <a:schemeClr val="dk1"/>
                 </a:solidFill>
               </a:rPr>
-              <a:t>Pengembangan fitur pengolahan data, i.e. membaca data, menambah data baru</a:t>
+              <a:t>(BE) Pengembangan fitur pengolahan data, i.e. membaca data, menambah data baru</a:t>
             </a:r>
             <a:endParaRPr sz="1700">
               <a:solidFill>
@@ -15013,7 +15153,7 @@
                   <a:schemeClr val="dk1"/>
                 </a:solidFill>
               </a:rPr>
-              <a:t>Pengembangan tampilan antarmuka</a:t>
+              <a:t>(FE) Pengembangan tampilan antarmuka</a:t>
             </a:r>
             <a:endParaRPr sz="1700">
               <a:solidFill>
@@ -15067,7 +15207,7 @@
   <p:cSld>
     <p:spTree>
       <p:nvGrpSpPr>
-        <p:cNvPr id="129" name="Shape 129"/>
+        <p:cNvPr id="130" name="Shape 130"/>
         <p:cNvGrpSpPr/>
         <p:nvPr/>
       </p:nvGrpSpPr>
@@ -15081,7 +15221,7 @@
       </p:grpSpPr>
       <p:sp>
         <p:nvSpPr>
-          <p:cNvPr id="130" name="Google Shape;130;p30"/>
+          <p:cNvPr id="131" name="Google Shape;131;p30"/>
           <p:cNvSpPr txBox="1"/>
           <p:nvPr>
             <p:ph type="title"/>
@@ -15150,62 +15290,4184 @@
           </a:p>
         </p:txBody>
       </p:sp>
-      <p:sp>
-        <p:nvSpPr>
-          <p:cNvPr id="131" name="Google Shape;131;p30"/>
-          <p:cNvSpPr txBox="1"/>
-          <p:nvPr>
-            <p:ph idx="1" type="body"/>
-          </p:nvPr>
-        </p:nvSpPr>
-        <p:spPr>
-          <a:xfrm>
-            <a:off x="311700" y="1152475"/>
-            <a:ext cx="8520600" cy="3416400"/>
-          </a:xfrm>
-          <a:prstGeom prst="rect">
-            <a:avLst/>
-          </a:prstGeom>
-          <a:noFill/>
-          <a:ln>
-            <a:noFill/>
-          </a:ln>
-        </p:spPr>
-        <p:txBody>
-          <a:bodyPr anchorCtr="0" anchor="t" bIns="91425" lIns="91425" spcFirstLastPara="1" rIns="91425" wrap="square" tIns="91425">
-            <a:normAutofit/>
-          </a:bodyPr>
-          <a:lstStyle/>
-          <a:p>
-            <a:pPr indent="0" lvl="0" marL="0" rtl="0" algn="l">
-              <a:lnSpc>
-                <a:spcPct val="115000"/>
-              </a:lnSpc>
-              <a:spcBef>
-                <a:spcPts val="0"/>
-              </a:spcBef>
-              <a:spcAft>
-                <a:spcPts val="1200"/>
-              </a:spcAft>
-              <a:buSzPts val="1800"/>
-              <a:buNone/>
-            </a:pPr>
-            <a:r>
-              <a:rPr lang="en"/>
-              <a:t>&lt;</a:t>
-            </a:r>
-            <a:r>
-              <a:rPr i="1" lang="en"/>
-              <a:t>Jelaskan tahapan kegiatan yang akan dilakukan beserta waktu pelaksanaannya, bisa per pekan ataupun tanggal pelaksanaan setiap kegiatan tsb</a:t>
-            </a:r>
-            <a:r>
-              <a:rPr lang="en"/>
-              <a:t>&gt;</a:t>
-            </a:r>
-            <a:endParaRPr/>
-          </a:p>
-        </p:txBody>
-      </p:sp>
+      <p:graphicFrame>
+        <p:nvGraphicFramePr>
+          <p:cNvPr id="132" name="Google Shape;132;p30"/>
+          <p:cNvGraphicFramePr/>
+          <p:nvPr/>
+        </p:nvGraphicFramePr>
+        <p:xfrm>
+          <a:off x="366013" y="1400964"/>
+          <a:ext cx="3000000" cy="3000000"/>
+        </p:xfrm>
+        <a:graphic>
+          <a:graphicData uri="http://schemas.openxmlformats.org/drawingml/2006/table">
+            <a:tbl>
+              <a:tblPr bandRow="1" firstRow="1" lastRow="1">
+                <a:noFill/>
+                <a:tableStyleId>{566EACFB-39F5-4146-9112-6C40C125BCAE}</a:tableStyleId>
+              </a:tblPr>
+              <a:tblGrid>
+                <a:gridCol w="1879100"/>
+                <a:gridCol w="407700"/>
+                <a:gridCol w="407700"/>
+                <a:gridCol w="407700"/>
+                <a:gridCol w="407700"/>
+                <a:gridCol w="407700"/>
+                <a:gridCol w="407700"/>
+                <a:gridCol w="407700"/>
+                <a:gridCol w="407700"/>
+                <a:gridCol w="407700"/>
+                <a:gridCol w="407700"/>
+                <a:gridCol w="407700"/>
+                <a:gridCol w="407700"/>
+                <a:gridCol w="407700"/>
+                <a:gridCol w="407700"/>
+                <a:gridCol w="407700"/>
+                <a:gridCol w="407700"/>
+              </a:tblGrid>
+              <a:tr h="470425">
+                <a:tc rowSpan="2">
+                  <a:txBody>
+                    <a:bodyPr/>
+                    <a:lstStyle/>
+                    <a:p>
+                      <a:pPr indent="0" lvl="0" marL="0" marR="0" rtl="0" algn="ctr">
+                        <a:lnSpc>
+                          <a:spcPct val="100000"/>
+                        </a:lnSpc>
+                        <a:spcBef>
+                          <a:spcPts val="0"/>
+                        </a:spcBef>
+                        <a:spcAft>
+                          <a:spcPts val="0"/>
+                        </a:spcAft>
+                        <a:buNone/>
+                      </a:pPr>
+                      <a:r>
+                        <a:rPr b="1" lang="en" sz="1200" u="none" cap="none" strike="noStrike"/>
+                        <a:t>Kegiatan</a:t>
+                      </a:r>
+                      <a:endParaRPr b="1" sz="1200" u="none" cap="none" strike="noStrike"/>
+                    </a:p>
+                  </a:txBody>
+                  <a:tcPr marT="45725" marB="45725" marR="91450" marL="91450" anchor="ctr"/>
+                </a:tc>
+                <a:tc gridSpan="4">
+                  <a:txBody>
+                    <a:bodyPr/>
+                    <a:lstStyle/>
+                    <a:p>
+                      <a:pPr indent="0" lvl="0" marL="0" marR="0" rtl="0" algn="ctr">
+                        <a:lnSpc>
+                          <a:spcPct val="100000"/>
+                        </a:lnSpc>
+                        <a:spcBef>
+                          <a:spcPts val="0"/>
+                        </a:spcBef>
+                        <a:spcAft>
+                          <a:spcPts val="0"/>
+                        </a:spcAft>
+                        <a:buNone/>
+                      </a:pPr>
+                      <a:r>
+                        <a:rPr b="1" lang="en" sz="1200" u="none" cap="none" strike="noStrike"/>
+                        <a:t>Februari</a:t>
+                      </a:r>
+                      <a:endParaRPr b="1" sz="1200" u="none" cap="none" strike="noStrike"/>
+                    </a:p>
+                  </a:txBody>
+                  <a:tcPr marT="45725" marB="45725" marR="91450" marL="91450" anchor="ctr"/>
+                </a:tc>
+                <a:tc hMerge="1"/>
+                <a:tc hMerge="1"/>
+                <a:tc hMerge="1"/>
+                <a:tc gridSpan="4">
+                  <a:txBody>
+                    <a:bodyPr/>
+                    <a:lstStyle/>
+                    <a:p>
+                      <a:pPr indent="0" lvl="0" marL="0" marR="0" rtl="0" algn="ctr">
+                        <a:lnSpc>
+                          <a:spcPct val="100000"/>
+                        </a:lnSpc>
+                        <a:spcBef>
+                          <a:spcPts val="0"/>
+                        </a:spcBef>
+                        <a:spcAft>
+                          <a:spcPts val="0"/>
+                        </a:spcAft>
+                        <a:buNone/>
+                      </a:pPr>
+                      <a:r>
+                        <a:rPr b="1" lang="en" sz="1200" u="none" cap="none" strike="noStrike"/>
+                        <a:t>Maret</a:t>
+                      </a:r>
+                      <a:endParaRPr b="1" sz="1200" u="none" cap="none" strike="noStrike"/>
+                    </a:p>
+                  </a:txBody>
+                  <a:tcPr marT="45725" marB="45725" marR="91450" marL="91450" anchor="ctr"/>
+                </a:tc>
+                <a:tc hMerge="1"/>
+                <a:tc hMerge="1"/>
+                <a:tc hMerge="1"/>
+                <a:tc gridSpan="4">
+                  <a:txBody>
+                    <a:bodyPr/>
+                    <a:lstStyle/>
+                    <a:p>
+                      <a:pPr indent="0" lvl="0" marL="0" marR="0" rtl="0" algn="ctr">
+                        <a:lnSpc>
+                          <a:spcPct val="100000"/>
+                        </a:lnSpc>
+                        <a:spcBef>
+                          <a:spcPts val="0"/>
+                        </a:spcBef>
+                        <a:spcAft>
+                          <a:spcPts val="0"/>
+                        </a:spcAft>
+                        <a:buNone/>
+                      </a:pPr>
+                      <a:r>
+                        <a:rPr b="1" lang="en" sz="1200" u="none" cap="none" strike="noStrike"/>
+                        <a:t>April</a:t>
+                      </a:r>
+                      <a:endParaRPr b="1" sz="1200" u="none" cap="none" strike="noStrike"/>
+                    </a:p>
+                  </a:txBody>
+                  <a:tcPr marT="45725" marB="45725" marR="91450" marL="91450" anchor="ctr"/>
+                </a:tc>
+                <a:tc hMerge="1"/>
+                <a:tc hMerge="1"/>
+                <a:tc hMerge="1"/>
+                <a:tc gridSpan="4">
+                  <a:txBody>
+                    <a:bodyPr/>
+                    <a:lstStyle/>
+                    <a:p>
+                      <a:pPr indent="0" lvl="0" marL="0" marR="0" rtl="0" algn="ctr">
+                        <a:lnSpc>
+                          <a:spcPct val="100000"/>
+                        </a:lnSpc>
+                        <a:spcBef>
+                          <a:spcPts val="0"/>
+                        </a:spcBef>
+                        <a:spcAft>
+                          <a:spcPts val="0"/>
+                        </a:spcAft>
+                        <a:buNone/>
+                      </a:pPr>
+                      <a:r>
+                        <a:rPr b="1" lang="en" sz="1200" u="none" cap="none" strike="noStrike"/>
+                        <a:t>Mei</a:t>
+                      </a:r>
+                      <a:endParaRPr b="1" sz="1200" u="none" cap="none" strike="noStrike"/>
+                    </a:p>
+                  </a:txBody>
+                  <a:tcPr marT="45725" marB="45725" marR="91450" marL="91450" anchor="ctr"/>
+                </a:tc>
+                <a:tc hMerge="1"/>
+                <a:tc hMerge="1"/>
+                <a:tc hMerge="1"/>
+              </a:tr>
+              <a:tr h="470425">
+                <a:tc vMerge="1"/>
+                <a:tc>
+                  <a:txBody>
+                    <a:bodyPr/>
+                    <a:lstStyle/>
+                    <a:p>
+                      <a:pPr indent="0" lvl="0" marL="0" marR="0" rtl="0" algn="ctr">
+                        <a:lnSpc>
+                          <a:spcPct val="100000"/>
+                        </a:lnSpc>
+                        <a:spcBef>
+                          <a:spcPts val="0"/>
+                        </a:spcBef>
+                        <a:spcAft>
+                          <a:spcPts val="0"/>
+                        </a:spcAft>
+                        <a:buNone/>
+                      </a:pPr>
+                      <a:r>
+                        <a:rPr b="1" lang="en" sz="800" u="none" cap="none" strike="noStrike"/>
+                        <a:t>W1</a:t>
+                      </a:r>
+                      <a:endParaRPr b="1" sz="800" u="none" cap="none" strike="noStrike"/>
+                    </a:p>
+                  </a:txBody>
+                  <a:tcPr marT="45725" marB="45725" marR="91450" marL="91450" anchor="ctr"/>
+                </a:tc>
+                <a:tc>
+                  <a:txBody>
+                    <a:bodyPr/>
+                    <a:lstStyle/>
+                    <a:p>
+                      <a:pPr indent="0" lvl="0" marL="0" marR="0" rtl="0" algn="ctr">
+                        <a:lnSpc>
+                          <a:spcPct val="100000"/>
+                        </a:lnSpc>
+                        <a:spcBef>
+                          <a:spcPts val="0"/>
+                        </a:spcBef>
+                        <a:spcAft>
+                          <a:spcPts val="0"/>
+                        </a:spcAft>
+                        <a:buNone/>
+                      </a:pPr>
+                      <a:r>
+                        <a:rPr b="1" lang="en" sz="800" u="none" cap="none" strike="noStrike"/>
+                        <a:t>W2</a:t>
+                      </a:r>
+                      <a:endParaRPr b="1" sz="800" u="none" cap="none" strike="noStrike"/>
+                    </a:p>
+                  </a:txBody>
+                  <a:tcPr marT="45725" marB="45725" marR="91450" marL="91450" anchor="ctr"/>
+                </a:tc>
+                <a:tc>
+                  <a:txBody>
+                    <a:bodyPr/>
+                    <a:lstStyle/>
+                    <a:p>
+                      <a:pPr indent="0" lvl="0" marL="0" marR="0" rtl="0" algn="ctr">
+                        <a:lnSpc>
+                          <a:spcPct val="100000"/>
+                        </a:lnSpc>
+                        <a:spcBef>
+                          <a:spcPts val="0"/>
+                        </a:spcBef>
+                        <a:spcAft>
+                          <a:spcPts val="0"/>
+                        </a:spcAft>
+                        <a:buNone/>
+                      </a:pPr>
+                      <a:r>
+                        <a:rPr b="1" lang="en" sz="800" u="none" cap="none" strike="noStrike"/>
+                        <a:t>W3</a:t>
+                      </a:r>
+                      <a:endParaRPr b="1" sz="800" u="none" cap="none" strike="noStrike"/>
+                    </a:p>
+                  </a:txBody>
+                  <a:tcPr marT="45725" marB="45725" marR="91450" marL="91450" anchor="ctr"/>
+                </a:tc>
+                <a:tc>
+                  <a:txBody>
+                    <a:bodyPr/>
+                    <a:lstStyle/>
+                    <a:p>
+                      <a:pPr indent="0" lvl="0" marL="0" marR="0" rtl="0" algn="ctr">
+                        <a:lnSpc>
+                          <a:spcPct val="100000"/>
+                        </a:lnSpc>
+                        <a:spcBef>
+                          <a:spcPts val="0"/>
+                        </a:spcBef>
+                        <a:spcAft>
+                          <a:spcPts val="0"/>
+                        </a:spcAft>
+                        <a:buNone/>
+                      </a:pPr>
+                      <a:r>
+                        <a:rPr b="1" lang="en" sz="800" u="none" cap="none" strike="noStrike"/>
+                        <a:t>W4</a:t>
+                      </a:r>
+                      <a:endParaRPr b="1" sz="800" u="none" cap="none" strike="noStrike"/>
+                    </a:p>
+                  </a:txBody>
+                  <a:tcPr marT="45725" marB="45725" marR="91450" marL="91450" anchor="ctr"/>
+                </a:tc>
+                <a:tc>
+                  <a:txBody>
+                    <a:bodyPr/>
+                    <a:lstStyle/>
+                    <a:p>
+                      <a:pPr indent="0" lvl="0" marL="0" marR="0" rtl="0" algn="ctr">
+                        <a:lnSpc>
+                          <a:spcPct val="100000"/>
+                        </a:lnSpc>
+                        <a:spcBef>
+                          <a:spcPts val="0"/>
+                        </a:spcBef>
+                        <a:spcAft>
+                          <a:spcPts val="0"/>
+                        </a:spcAft>
+                        <a:buNone/>
+                      </a:pPr>
+                      <a:r>
+                        <a:rPr b="1" lang="en" sz="800" u="none" cap="none" strike="noStrike"/>
+                        <a:t>W1</a:t>
+                      </a:r>
+                      <a:endParaRPr b="1" sz="800" u="none" cap="none" strike="noStrike"/>
+                    </a:p>
+                  </a:txBody>
+                  <a:tcPr marT="45725" marB="45725" marR="91450" marL="91450" anchor="ctr"/>
+                </a:tc>
+                <a:tc>
+                  <a:txBody>
+                    <a:bodyPr/>
+                    <a:lstStyle/>
+                    <a:p>
+                      <a:pPr indent="0" lvl="0" marL="0" marR="0" rtl="0" algn="ctr">
+                        <a:lnSpc>
+                          <a:spcPct val="100000"/>
+                        </a:lnSpc>
+                        <a:spcBef>
+                          <a:spcPts val="0"/>
+                        </a:spcBef>
+                        <a:spcAft>
+                          <a:spcPts val="0"/>
+                        </a:spcAft>
+                        <a:buNone/>
+                      </a:pPr>
+                      <a:r>
+                        <a:rPr b="1" lang="en" sz="800" u="none" cap="none" strike="noStrike"/>
+                        <a:t>W2</a:t>
+                      </a:r>
+                      <a:endParaRPr b="1" sz="800" u="none" cap="none" strike="noStrike"/>
+                    </a:p>
+                  </a:txBody>
+                  <a:tcPr marT="45725" marB="45725" marR="91450" marL="91450" anchor="ctr"/>
+                </a:tc>
+                <a:tc>
+                  <a:txBody>
+                    <a:bodyPr/>
+                    <a:lstStyle/>
+                    <a:p>
+                      <a:pPr indent="0" lvl="0" marL="0" marR="0" rtl="0" algn="ctr">
+                        <a:lnSpc>
+                          <a:spcPct val="100000"/>
+                        </a:lnSpc>
+                        <a:spcBef>
+                          <a:spcPts val="0"/>
+                        </a:spcBef>
+                        <a:spcAft>
+                          <a:spcPts val="0"/>
+                        </a:spcAft>
+                        <a:buNone/>
+                      </a:pPr>
+                      <a:r>
+                        <a:rPr b="1" lang="en" sz="800" u="none" cap="none" strike="noStrike"/>
+                        <a:t>W3</a:t>
+                      </a:r>
+                      <a:endParaRPr b="1" sz="800" u="none" cap="none" strike="noStrike"/>
+                    </a:p>
+                  </a:txBody>
+                  <a:tcPr marT="45725" marB="45725" marR="91450" marL="91450" anchor="ctr"/>
+                </a:tc>
+                <a:tc>
+                  <a:txBody>
+                    <a:bodyPr/>
+                    <a:lstStyle/>
+                    <a:p>
+                      <a:pPr indent="0" lvl="0" marL="0" marR="0" rtl="0" algn="ctr">
+                        <a:lnSpc>
+                          <a:spcPct val="100000"/>
+                        </a:lnSpc>
+                        <a:spcBef>
+                          <a:spcPts val="0"/>
+                        </a:spcBef>
+                        <a:spcAft>
+                          <a:spcPts val="0"/>
+                        </a:spcAft>
+                        <a:buNone/>
+                      </a:pPr>
+                      <a:r>
+                        <a:rPr b="1" lang="en" sz="800" u="none" cap="none" strike="noStrike"/>
+                        <a:t>W4</a:t>
+                      </a:r>
+                      <a:endParaRPr b="1" sz="800" u="none" cap="none" strike="noStrike"/>
+                    </a:p>
+                  </a:txBody>
+                  <a:tcPr marT="45725" marB="45725" marR="91450" marL="91450" anchor="ctr"/>
+                </a:tc>
+                <a:tc>
+                  <a:txBody>
+                    <a:bodyPr/>
+                    <a:lstStyle/>
+                    <a:p>
+                      <a:pPr indent="0" lvl="0" marL="0" marR="0" rtl="0" algn="ctr">
+                        <a:lnSpc>
+                          <a:spcPct val="100000"/>
+                        </a:lnSpc>
+                        <a:spcBef>
+                          <a:spcPts val="0"/>
+                        </a:spcBef>
+                        <a:spcAft>
+                          <a:spcPts val="0"/>
+                        </a:spcAft>
+                        <a:buNone/>
+                      </a:pPr>
+                      <a:r>
+                        <a:rPr b="1" lang="en" sz="800" u="none" cap="none" strike="noStrike"/>
+                        <a:t>W1</a:t>
+                      </a:r>
+                      <a:endParaRPr b="1" sz="800" u="none" cap="none" strike="noStrike"/>
+                    </a:p>
+                  </a:txBody>
+                  <a:tcPr marT="45725" marB="45725" marR="91450" marL="91450" anchor="ctr"/>
+                </a:tc>
+                <a:tc>
+                  <a:txBody>
+                    <a:bodyPr/>
+                    <a:lstStyle/>
+                    <a:p>
+                      <a:pPr indent="0" lvl="0" marL="0" marR="0" rtl="0" algn="ctr">
+                        <a:lnSpc>
+                          <a:spcPct val="100000"/>
+                        </a:lnSpc>
+                        <a:spcBef>
+                          <a:spcPts val="0"/>
+                        </a:spcBef>
+                        <a:spcAft>
+                          <a:spcPts val="0"/>
+                        </a:spcAft>
+                        <a:buNone/>
+                      </a:pPr>
+                      <a:r>
+                        <a:rPr b="1" lang="en" sz="800" u="none" cap="none" strike="noStrike"/>
+                        <a:t>W2</a:t>
+                      </a:r>
+                      <a:endParaRPr b="1" sz="800" u="none" cap="none" strike="noStrike"/>
+                    </a:p>
+                  </a:txBody>
+                  <a:tcPr marT="45725" marB="45725" marR="91450" marL="91450" anchor="ctr"/>
+                </a:tc>
+                <a:tc>
+                  <a:txBody>
+                    <a:bodyPr/>
+                    <a:lstStyle/>
+                    <a:p>
+                      <a:pPr indent="0" lvl="0" marL="0" marR="0" rtl="0" algn="ctr">
+                        <a:lnSpc>
+                          <a:spcPct val="100000"/>
+                        </a:lnSpc>
+                        <a:spcBef>
+                          <a:spcPts val="0"/>
+                        </a:spcBef>
+                        <a:spcAft>
+                          <a:spcPts val="0"/>
+                        </a:spcAft>
+                        <a:buNone/>
+                      </a:pPr>
+                      <a:r>
+                        <a:rPr b="1" lang="en" sz="800" u="none" cap="none" strike="noStrike"/>
+                        <a:t>W3</a:t>
+                      </a:r>
+                      <a:endParaRPr b="1" sz="800" u="none" cap="none" strike="noStrike"/>
+                    </a:p>
+                  </a:txBody>
+                  <a:tcPr marT="45725" marB="45725" marR="91450" marL="91450" anchor="ctr"/>
+                </a:tc>
+                <a:tc>
+                  <a:txBody>
+                    <a:bodyPr/>
+                    <a:lstStyle/>
+                    <a:p>
+                      <a:pPr indent="0" lvl="0" marL="0" marR="0" rtl="0" algn="ctr">
+                        <a:lnSpc>
+                          <a:spcPct val="100000"/>
+                        </a:lnSpc>
+                        <a:spcBef>
+                          <a:spcPts val="0"/>
+                        </a:spcBef>
+                        <a:spcAft>
+                          <a:spcPts val="0"/>
+                        </a:spcAft>
+                        <a:buNone/>
+                      </a:pPr>
+                      <a:r>
+                        <a:rPr b="1" lang="en" sz="800" u="none" cap="none" strike="noStrike"/>
+                        <a:t>W4</a:t>
+                      </a:r>
+                      <a:endParaRPr b="1" sz="800" u="none" cap="none" strike="noStrike"/>
+                    </a:p>
+                  </a:txBody>
+                  <a:tcPr marT="45725" marB="45725" marR="91450" marL="91450" anchor="ctr"/>
+                </a:tc>
+                <a:tc>
+                  <a:txBody>
+                    <a:bodyPr/>
+                    <a:lstStyle/>
+                    <a:p>
+                      <a:pPr indent="0" lvl="0" marL="0" marR="0" rtl="0" algn="ctr">
+                        <a:lnSpc>
+                          <a:spcPct val="100000"/>
+                        </a:lnSpc>
+                        <a:spcBef>
+                          <a:spcPts val="0"/>
+                        </a:spcBef>
+                        <a:spcAft>
+                          <a:spcPts val="0"/>
+                        </a:spcAft>
+                        <a:buNone/>
+                      </a:pPr>
+                      <a:r>
+                        <a:rPr b="1" lang="en" sz="800" u="none" cap="none" strike="noStrike"/>
+                        <a:t>W1</a:t>
+                      </a:r>
+                      <a:endParaRPr b="1" sz="800" u="none" cap="none" strike="noStrike"/>
+                    </a:p>
+                  </a:txBody>
+                  <a:tcPr marT="45725" marB="45725" marR="91450" marL="91450" anchor="ctr"/>
+                </a:tc>
+                <a:tc>
+                  <a:txBody>
+                    <a:bodyPr/>
+                    <a:lstStyle/>
+                    <a:p>
+                      <a:pPr indent="0" lvl="0" marL="0" marR="0" rtl="0" algn="ctr">
+                        <a:lnSpc>
+                          <a:spcPct val="100000"/>
+                        </a:lnSpc>
+                        <a:spcBef>
+                          <a:spcPts val="0"/>
+                        </a:spcBef>
+                        <a:spcAft>
+                          <a:spcPts val="0"/>
+                        </a:spcAft>
+                        <a:buNone/>
+                      </a:pPr>
+                      <a:r>
+                        <a:rPr b="1" lang="en" sz="800" u="none" cap="none" strike="noStrike"/>
+                        <a:t>W2</a:t>
+                      </a:r>
+                      <a:endParaRPr b="1" sz="800" u="none" cap="none" strike="noStrike"/>
+                    </a:p>
+                  </a:txBody>
+                  <a:tcPr marT="45725" marB="45725" marR="91450" marL="91450" anchor="ctr"/>
+                </a:tc>
+                <a:tc>
+                  <a:txBody>
+                    <a:bodyPr/>
+                    <a:lstStyle/>
+                    <a:p>
+                      <a:pPr indent="0" lvl="0" marL="0" marR="0" rtl="0" algn="ctr">
+                        <a:lnSpc>
+                          <a:spcPct val="100000"/>
+                        </a:lnSpc>
+                        <a:spcBef>
+                          <a:spcPts val="0"/>
+                        </a:spcBef>
+                        <a:spcAft>
+                          <a:spcPts val="0"/>
+                        </a:spcAft>
+                        <a:buNone/>
+                      </a:pPr>
+                      <a:r>
+                        <a:rPr b="1" lang="en" sz="800" u="none" cap="none" strike="noStrike"/>
+                        <a:t>W3</a:t>
+                      </a:r>
+                      <a:endParaRPr b="1" sz="800" u="none" cap="none" strike="noStrike"/>
+                    </a:p>
+                  </a:txBody>
+                  <a:tcPr marT="45725" marB="45725" marR="91450" marL="91450" anchor="ctr"/>
+                </a:tc>
+                <a:tc>
+                  <a:txBody>
+                    <a:bodyPr/>
+                    <a:lstStyle/>
+                    <a:p>
+                      <a:pPr indent="0" lvl="0" marL="0" marR="0" rtl="0" algn="ctr">
+                        <a:lnSpc>
+                          <a:spcPct val="100000"/>
+                        </a:lnSpc>
+                        <a:spcBef>
+                          <a:spcPts val="0"/>
+                        </a:spcBef>
+                        <a:spcAft>
+                          <a:spcPts val="0"/>
+                        </a:spcAft>
+                        <a:buNone/>
+                      </a:pPr>
+                      <a:r>
+                        <a:rPr b="1" lang="en" sz="800" u="none" cap="none" strike="noStrike"/>
+                        <a:t>W4</a:t>
+                      </a:r>
+                      <a:endParaRPr b="1" sz="800" u="none" cap="none" strike="noStrike"/>
+                    </a:p>
+                  </a:txBody>
+                  <a:tcPr marT="45725" marB="45725" marR="91450" marL="91450" anchor="ctr"/>
+                </a:tc>
+              </a:tr>
+              <a:tr h="336675">
+                <a:tc>
+                  <a:txBody>
+                    <a:bodyPr/>
+                    <a:lstStyle/>
+                    <a:p>
+                      <a:pPr indent="0" lvl="0" marL="0" marR="0" rtl="0" algn="l">
+                        <a:lnSpc>
+                          <a:spcPct val="100000"/>
+                        </a:lnSpc>
+                        <a:spcBef>
+                          <a:spcPts val="0"/>
+                        </a:spcBef>
+                        <a:spcAft>
+                          <a:spcPts val="0"/>
+                        </a:spcAft>
+                        <a:buNone/>
+                      </a:pPr>
+                      <a:r>
+                        <a:rPr lang="en" sz="900"/>
+                        <a:t>Review </a:t>
+                      </a:r>
+                      <a:r>
+                        <a:rPr lang="en" sz="900"/>
+                        <a:t>ontologi</a:t>
+                      </a:r>
+                      <a:r>
+                        <a:rPr lang="en" sz="900"/>
+                        <a:t> dan </a:t>
+                      </a:r>
+                      <a:r>
+                        <a:rPr lang="en" sz="900"/>
+                        <a:t>populasi</a:t>
+                      </a:r>
+                      <a:r>
+                        <a:rPr lang="en" sz="900"/>
+                        <a:t> data dummy</a:t>
+                      </a:r>
+                      <a:endParaRPr sz="900" u="none" cap="none" strike="noStrike"/>
+                    </a:p>
+                  </a:txBody>
+                  <a:tcPr marT="45725" marB="45725" marR="91450" marL="91450" anchor="ctr"/>
+                </a:tc>
+                <a:tc>
+                  <a:txBody>
+                    <a:bodyPr/>
+                    <a:lstStyle/>
+                    <a:p>
+                      <a:pPr indent="0" lvl="0" marL="0" marR="0" rtl="0" algn="ctr">
+                        <a:lnSpc>
+                          <a:spcPct val="100000"/>
+                        </a:lnSpc>
+                        <a:spcBef>
+                          <a:spcPts val="0"/>
+                        </a:spcBef>
+                        <a:spcAft>
+                          <a:spcPts val="0"/>
+                        </a:spcAft>
+                        <a:buNone/>
+                      </a:pPr>
+                      <a:r>
+                        <a:t/>
+                      </a:r>
+                      <a:endParaRPr sz="1200" u="none" cap="none" strike="noStrike">
+                        <a:highlight>
+                          <a:srgbClr val="FF0000"/>
+                        </a:highlight>
+                      </a:endParaRPr>
+                    </a:p>
+                  </a:txBody>
+                  <a:tcPr marT="45725" marB="45725" marR="91450" marL="91450" anchor="ctr">
+                    <a:solidFill>
+                      <a:srgbClr val="C00000"/>
+                    </a:solidFill>
+                  </a:tcPr>
+                </a:tc>
+                <a:tc>
+                  <a:txBody>
+                    <a:bodyPr/>
+                    <a:lstStyle/>
+                    <a:p>
+                      <a:pPr indent="0" lvl="0" marL="0" marR="0" rtl="0" algn="ctr">
+                        <a:lnSpc>
+                          <a:spcPct val="100000"/>
+                        </a:lnSpc>
+                        <a:spcBef>
+                          <a:spcPts val="0"/>
+                        </a:spcBef>
+                        <a:spcAft>
+                          <a:spcPts val="0"/>
+                        </a:spcAft>
+                        <a:buNone/>
+                      </a:pPr>
+                      <a:r>
+                        <a:t/>
+                      </a:r>
+                      <a:endParaRPr sz="1200" u="none" cap="none" strike="noStrike">
+                        <a:highlight>
+                          <a:srgbClr val="FF0000"/>
+                        </a:highlight>
+                      </a:endParaRPr>
+                    </a:p>
+                  </a:txBody>
+                  <a:tcPr marT="45725" marB="45725" marR="91450" marL="91450" anchor="ctr">
+                    <a:solidFill>
+                      <a:srgbClr val="C00000"/>
+                    </a:solidFill>
+                  </a:tcPr>
+                </a:tc>
+                <a:tc>
+                  <a:txBody>
+                    <a:bodyPr/>
+                    <a:lstStyle/>
+                    <a:p>
+                      <a:pPr indent="0" lvl="0" marL="0" marR="0" rtl="0" algn="ctr">
+                        <a:lnSpc>
+                          <a:spcPct val="100000"/>
+                        </a:lnSpc>
+                        <a:spcBef>
+                          <a:spcPts val="0"/>
+                        </a:spcBef>
+                        <a:spcAft>
+                          <a:spcPts val="0"/>
+                        </a:spcAft>
+                        <a:buNone/>
+                      </a:pPr>
+                      <a:r>
+                        <a:t/>
+                      </a:r>
+                      <a:endParaRPr sz="1200" u="none" cap="none" strike="noStrike">
+                        <a:highlight>
+                          <a:srgbClr val="FF0000"/>
+                        </a:highlight>
+                      </a:endParaRPr>
+                    </a:p>
+                  </a:txBody>
+                  <a:tcPr marT="45725" marB="45725" marR="91450" marL="91450" anchor="ctr">
+                    <a:solidFill>
+                      <a:srgbClr val="C00000"/>
+                    </a:solidFill>
+                  </a:tcPr>
+                </a:tc>
+                <a:tc>
+                  <a:txBody>
+                    <a:bodyPr/>
+                    <a:lstStyle/>
+                    <a:p>
+                      <a:pPr indent="0" lvl="0" marL="0" marR="0" rtl="0" algn="ctr">
+                        <a:lnSpc>
+                          <a:spcPct val="100000"/>
+                        </a:lnSpc>
+                        <a:spcBef>
+                          <a:spcPts val="0"/>
+                        </a:spcBef>
+                        <a:spcAft>
+                          <a:spcPts val="0"/>
+                        </a:spcAft>
+                        <a:buNone/>
+                      </a:pPr>
+                      <a:r>
+                        <a:t/>
+                      </a:r>
+                      <a:endParaRPr sz="1200" u="none" cap="none" strike="noStrike">
+                        <a:highlight>
+                          <a:srgbClr val="FF0000"/>
+                        </a:highlight>
+                      </a:endParaRPr>
+                    </a:p>
+                  </a:txBody>
+                  <a:tcPr marT="45725" marB="45725" marR="91450" marL="91450" anchor="ctr">
+                    <a:solidFill>
+                      <a:srgbClr val="C00000"/>
+                    </a:solidFill>
+                  </a:tcPr>
+                </a:tc>
+                <a:tc>
+                  <a:txBody>
+                    <a:bodyPr/>
+                    <a:lstStyle/>
+                    <a:p>
+                      <a:pPr indent="0" lvl="0" marL="0" marR="0" rtl="0" algn="ctr">
+                        <a:lnSpc>
+                          <a:spcPct val="100000"/>
+                        </a:lnSpc>
+                        <a:spcBef>
+                          <a:spcPts val="0"/>
+                        </a:spcBef>
+                        <a:spcAft>
+                          <a:spcPts val="0"/>
+                        </a:spcAft>
+                        <a:buNone/>
+                      </a:pPr>
+                      <a:r>
+                        <a:t/>
+                      </a:r>
+                      <a:endParaRPr sz="1200" u="none" cap="none" strike="noStrike"/>
+                    </a:p>
+                  </a:txBody>
+                  <a:tcPr marT="45725" marB="45725" marR="91450" marL="91450" anchor="ctr"/>
+                </a:tc>
+                <a:tc>
+                  <a:txBody>
+                    <a:bodyPr/>
+                    <a:lstStyle/>
+                    <a:p>
+                      <a:pPr indent="0" lvl="0" marL="0" marR="0" rtl="0" algn="ctr">
+                        <a:lnSpc>
+                          <a:spcPct val="100000"/>
+                        </a:lnSpc>
+                        <a:spcBef>
+                          <a:spcPts val="0"/>
+                        </a:spcBef>
+                        <a:spcAft>
+                          <a:spcPts val="0"/>
+                        </a:spcAft>
+                        <a:buNone/>
+                      </a:pPr>
+                      <a:r>
+                        <a:t/>
+                      </a:r>
+                      <a:endParaRPr sz="1200" u="none" cap="none" strike="noStrike"/>
+                    </a:p>
+                  </a:txBody>
+                  <a:tcPr marT="45725" marB="45725" marR="91450" marL="91450" anchor="ctr"/>
+                </a:tc>
+                <a:tc>
+                  <a:txBody>
+                    <a:bodyPr/>
+                    <a:lstStyle/>
+                    <a:p>
+                      <a:pPr indent="0" lvl="0" marL="0" marR="0" rtl="0" algn="ctr">
+                        <a:lnSpc>
+                          <a:spcPct val="100000"/>
+                        </a:lnSpc>
+                        <a:spcBef>
+                          <a:spcPts val="0"/>
+                        </a:spcBef>
+                        <a:spcAft>
+                          <a:spcPts val="0"/>
+                        </a:spcAft>
+                        <a:buNone/>
+                      </a:pPr>
+                      <a:r>
+                        <a:t/>
+                      </a:r>
+                      <a:endParaRPr sz="1200" u="none" cap="none" strike="noStrike"/>
+                    </a:p>
+                  </a:txBody>
+                  <a:tcPr marT="45725" marB="45725" marR="91450" marL="91450" anchor="ctr"/>
+                </a:tc>
+                <a:tc>
+                  <a:txBody>
+                    <a:bodyPr/>
+                    <a:lstStyle/>
+                    <a:p>
+                      <a:pPr indent="0" lvl="0" marL="0" marR="0" rtl="0" algn="ctr">
+                        <a:lnSpc>
+                          <a:spcPct val="100000"/>
+                        </a:lnSpc>
+                        <a:spcBef>
+                          <a:spcPts val="0"/>
+                        </a:spcBef>
+                        <a:spcAft>
+                          <a:spcPts val="0"/>
+                        </a:spcAft>
+                        <a:buNone/>
+                      </a:pPr>
+                      <a:r>
+                        <a:t/>
+                      </a:r>
+                      <a:endParaRPr sz="1200" u="none" cap="none" strike="noStrike"/>
+                    </a:p>
+                  </a:txBody>
+                  <a:tcPr marT="45725" marB="45725" marR="91450" marL="91450" anchor="ctr"/>
+                </a:tc>
+                <a:tc>
+                  <a:txBody>
+                    <a:bodyPr/>
+                    <a:lstStyle/>
+                    <a:p>
+                      <a:pPr indent="0" lvl="0" marL="0" marR="0" rtl="0" algn="ctr">
+                        <a:lnSpc>
+                          <a:spcPct val="100000"/>
+                        </a:lnSpc>
+                        <a:spcBef>
+                          <a:spcPts val="0"/>
+                        </a:spcBef>
+                        <a:spcAft>
+                          <a:spcPts val="0"/>
+                        </a:spcAft>
+                        <a:buNone/>
+                      </a:pPr>
+                      <a:r>
+                        <a:t/>
+                      </a:r>
+                      <a:endParaRPr sz="1200" u="none" cap="none" strike="noStrike"/>
+                    </a:p>
+                  </a:txBody>
+                  <a:tcPr marT="45725" marB="45725" marR="91450" marL="91450" anchor="ctr"/>
+                </a:tc>
+                <a:tc>
+                  <a:txBody>
+                    <a:bodyPr/>
+                    <a:lstStyle/>
+                    <a:p>
+                      <a:pPr indent="0" lvl="0" marL="0" marR="0" rtl="0" algn="ctr">
+                        <a:lnSpc>
+                          <a:spcPct val="100000"/>
+                        </a:lnSpc>
+                        <a:spcBef>
+                          <a:spcPts val="0"/>
+                        </a:spcBef>
+                        <a:spcAft>
+                          <a:spcPts val="0"/>
+                        </a:spcAft>
+                        <a:buNone/>
+                      </a:pPr>
+                      <a:r>
+                        <a:t/>
+                      </a:r>
+                      <a:endParaRPr sz="1200" u="none" cap="none" strike="noStrike"/>
+                    </a:p>
+                  </a:txBody>
+                  <a:tcPr marT="45725" marB="45725" marR="91450" marL="91450" anchor="ctr"/>
+                </a:tc>
+                <a:tc>
+                  <a:txBody>
+                    <a:bodyPr/>
+                    <a:lstStyle/>
+                    <a:p>
+                      <a:pPr indent="0" lvl="0" marL="0" marR="0" rtl="0" algn="ctr">
+                        <a:lnSpc>
+                          <a:spcPct val="100000"/>
+                        </a:lnSpc>
+                        <a:spcBef>
+                          <a:spcPts val="0"/>
+                        </a:spcBef>
+                        <a:spcAft>
+                          <a:spcPts val="0"/>
+                        </a:spcAft>
+                        <a:buNone/>
+                      </a:pPr>
+                      <a:r>
+                        <a:t/>
+                      </a:r>
+                      <a:endParaRPr sz="1200" u="none" cap="none" strike="noStrike"/>
+                    </a:p>
+                  </a:txBody>
+                  <a:tcPr marT="45725" marB="45725" marR="91450" marL="91450" anchor="ctr"/>
+                </a:tc>
+                <a:tc>
+                  <a:txBody>
+                    <a:bodyPr/>
+                    <a:lstStyle/>
+                    <a:p>
+                      <a:pPr indent="0" lvl="0" marL="0" marR="0" rtl="0" algn="ctr">
+                        <a:lnSpc>
+                          <a:spcPct val="100000"/>
+                        </a:lnSpc>
+                        <a:spcBef>
+                          <a:spcPts val="0"/>
+                        </a:spcBef>
+                        <a:spcAft>
+                          <a:spcPts val="0"/>
+                        </a:spcAft>
+                        <a:buNone/>
+                      </a:pPr>
+                      <a:r>
+                        <a:t/>
+                      </a:r>
+                      <a:endParaRPr sz="1200" u="none" cap="none" strike="noStrike"/>
+                    </a:p>
+                  </a:txBody>
+                  <a:tcPr marT="45725" marB="45725" marR="91450" marL="91450" anchor="ctr"/>
+                </a:tc>
+                <a:tc>
+                  <a:txBody>
+                    <a:bodyPr/>
+                    <a:lstStyle/>
+                    <a:p>
+                      <a:pPr indent="0" lvl="0" marL="0" marR="0" rtl="0" algn="ctr">
+                        <a:lnSpc>
+                          <a:spcPct val="100000"/>
+                        </a:lnSpc>
+                        <a:spcBef>
+                          <a:spcPts val="0"/>
+                        </a:spcBef>
+                        <a:spcAft>
+                          <a:spcPts val="0"/>
+                        </a:spcAft>
+                        <a:buNone/>
+                      </a:pPr>
+                      <a:r>
+                        <a:t/>
+                      </a:r>
+                      <a:endParaRPr sz="1200" u="none" cap="none" strike="noStrike"/>
+                    </a:p>
+                  </a:txBody>
+                  <a:tcPr marT="45725" marB="45725" marR="91450" marL="91450" anchor="ctr"/>
+                </a:tc>
+                <a:tc>
+                  <a:txBody>
+                    <a:bodyPr/>
+                    <a:lstStyle/>
+                    <a:p>
+                      <a:pPr indent="0" lvl="0" marL="0" marR="0" rtl="0" algn="ctr">
+                        <a:lnSpc>
+                          <a:spcPct val="100000"/>
+                        </a:lnSpc>
+                        <a:spcBef>
+                          <a:spcPts val="0"/>
+                        </a:spcBef>
+                        <a:spcAft>
+                          <a:spcPts val="0"/>
+                        </a:spcAft>
+                        <a:buNone/>
+                      </a:pPr>
+                      <a:r>
+                        <a:t/>
+                      </a:r>
+                      <a:endParaRPr sz="1200" u="none" cap="none" strike="noStrike"/>
+                    </a:p>
+                  </a:txBody>
+                  <a:tcPr marT="45725" marB="45725" marR="91450" marL="91450" anchor="ctr"/>
+                </a:tc>
+                <a:tc>
+                  <a:txBody>
+                    <a:bodyPr/>
+                    <a:lstStyle/>
+                    <a:p>
+                      <a:pPr indent="0" lvl="0" marL="0" marR="0" rtl="0" algn="ctr">
+                        <a:lnSpc>
+                          <a:spcPct val="100000"/>
+                        </a:lnSpc>
+                        <a:spcBef>
+                          <a:spcPts val="0"/>
+                        </a:spcBef>
+                        <a:spcAft>
+                          <a:spcPts val="0"/>
+                        </a:spcAft>
+                        <a:buNone/>
+                      </a:pPr>
+                      <a:r>
+                        <a:t/>
+                      </a:r>
+                      <a:endParaRPr sz="1200" u="none" cap="none" strike="noStrike"/>
+                    </a:p>
+                  </a:txBody>
+                  <a:tcPr marT="45725" marB="45725" marR="91450" marL="91450" anchor="ctr"/>
+                </a:tc>
+                <a:tc>
+                  <a:txBody>
+                    <a:bodyPr/>
+                    <a:lstStyle/>
+                    <a:p>
+                      <a:pPr indent="0" lvl="0" marL="0" marR="0" rtl="0" algn="ctr">
+                        <a:lnSpc>
+                          <a:spcPct val="100000"/>
+                        </a:lnSpc>
+                        <a:spcBef>
+                          <a:spcPts val="0"/>
+                        </a:spcBef>
+                        <a:spcAft>
+                          <a:spcPts val="0"/>
+                        </a:spcAft>
+                        <a:buNone/>
+                      </a:pPr>
+                      <a:r>
+                        <a:t/>
+                      </a:r>
+                      <a:endParaRPr sz="1200" u="none" cap="none" strike="noStrike"/>
+                    </a:p>
+                  </a:txBody>
+                  <a:tcPr marT="45725" marB="45725" marR="91450" marL="91450" anchor="ctr"/>
+                </a:tc>
+              </a:tr>
+              <a:tr h="336675">
+                <a:tc>
+                  <a:txBody>
+                    <a:bodyPr/>
+                    <a:lstStyle/>
+                    <a:p>
+                      <a:pPr indent="0" lvl="0" marL="0" marR="0" rtl="0" algn="l">
+                        <a:lnSpc>
+                          <a:spcPct val="100000"/>
+                        </a:lnSpc>
+                        <a:spcBef>
+                          <a:spcPts val="0"/>
+                        </a:spcBef>
+                        <a:spcAft>
+                          <a:spcPts val="0"/>
+                        </a:spcAft>
+                        <a:buNone/>
+                      </a:pPr>
+                      <a:r>
+                        <a:rPr lang="en" sz="900"/>
+                        <a:t>Integrasi Blazegraph dengan Django</a:t>
+                      </a:r>
+                      <a:endParaRPr sz="900" u="none" cap="none" strike="noStrike"/>
+                    </a:p>
+                  </a:txBody>
+                  <a:tcPr marT="45725" marB="45725" marR="91450" marL="91450" anchor="ctr"/>
+                </a:tc>
+                <a:tc>
+                  <a:txBody>
+                    <a:bodyPr/>
+                    <a:lstStyle/>
+                    <a:p>
+                      <a:pPr indent="0" lvl="0" marL="0" marR="0" rtl="0" algn="ctr">
+                        <a:lnSpc>
+                          <a:spcPct val="100000"/>
+                        </a:lnSpc>
+                        <a:spcBef>
+                          <a:spcPts val="0"/>
+                        </a:spcBef>
+                        <a:spcAft>
+                          <a:spcPts val="0"/>
+                        </a:spcAft>
+                        <a:buNone/>
+                      </a:pPr>
+                      <a:r>
+                        <a:t/>
+                      </a:r>
+                      <a:endParaRPr sz="1200" u="none" cap="none" strike="noStrike"/>
+                    </a:p>
+                  </a:txBody>
+                  <a:tcPr marT="45725" marB="45725" marR="91450" marL="91450" anchor="ctr"/>
+                </a:tc>
+                <a:tc>
+                  <a:txBody>
+                    <a:bodyPr/>
+                    <a:lstStyle/>
+                    <a:p>
+                      <a:pPr indent="0" lvl="0" marL="0" marR="0" rtl="0" algn="ctr">
+                        <a:lnSpc>
+                          <a:spcPct val="100000"/>
+                        </a:lnSpc>
+                        <a:spcBef>
+                          <a:spcPts val="0"/>
+                        </a:spcBef>
+                        <a:spcAft>
+                          <a:spcPts val="0"/>
+                        </a:spcAft>
+                        <a:buNone/>
+                      </a:pPr>
+                      <a:r>
+                        <a:t/>
+                      </a:r>
+                      <a:endParaRPr sz="1200" u="none" cap="none" strike="noStrike"/>
+                    </a:p>
+                  </a:txBody>
+                  <a:tcPr marT="45725" marB="45725" marR="91450" marL="91450" anchor="ctr"/>
+                </a:tc>
+                <a:tc>
+                  <a:txBody>
+                    <a:bodyPr/>
+                    <a:lstStyle/>
+                    <a:p>
+                      <a:pPr indent="0" lvl="0" marL="0" marR="0" rtl="0" algn="ctr">
+                        <a:lnSpc>
+                          <a:spcPct val="100000"/>
+                        </a:lnSpc>
+                        <a:spcBef>
+                          <a:spcPts val="0"/>
+                        </a:spcBef>
+                        <a:spcAft>
+                          <a:spcPts val="0"/>
+                        </a:spcAft>
+                        <a:buNone/>
+                      </a:pPr>
+                      <a:r>
+                        <a:t/>
+                      </a:r>
+                      <a:endParaRPr sz="1200" u="none" cap="none" strike="noStrike"/>
+                    </a:p>
+                  </a:txBody>
+                  <a:tcPr marT="45725" marB="45725" marR="91450" marL="91450" anchor="ctr">
+                    <a:solidFill>
+                      <a:srgbClr val="FFC000"/>
+                    </a:solidFill>
+                  </a:tcPr>
+                </a:tc>
+                <a:tc>
+                  <a:txBody>
+                    <a:bodyPr/>
+                    <a:lstStyle/>
+                    <a:p>
+                      <a:pPr indent="0" lvl="0" marL="0" marR="0" rtl="0" algn="ctr">
+                        <a:lnSpc>
+                          <a:spcPct val="100000"/>
+                        </a:lnSpc>
+                        <a:spcBef>
+                          <a:spcPts val="0"/>
+                        </a:spcBef>
+                        <a:spcAft>
+                          <a:spcPts val="0"/>
+                        </a:spcAft>
+                        <a:buNone/>
+                      </a:pPr>
+                      <a:r>
+                        <a:t/>
+                      </a:r>
+                      <a:endParaRPr sz="1200" u="none" cap="none" strike="noStrike"/>
+                    </a:p>
+                  </a:txBody>
+                  <a:tcPr marT="45725" marB="45725" marR="91450" marL="91450" anchor="ctr">
+                    <a:solidFill>
+                      <a:srgbClr val="FFC000"/>
+                    </a:solidFill>
+                  </a:tcPr>
+                </a:tc>
+                <a:tc>
+                  <a:txBody>
+                    <a:bodyPr/>
+                    <a:lstStyle/>
+                    <a:p>
+                      <a:pPr indent="0" lvl="0" marL="0" marR="0" rtl="0" algn="ctr">
+                        <a:lnSpc>
+                          <a:spcPct val="100000"/>
+                        </a:lnSpc>
+                        <a:spcBef>
+                          <a:spcPts val="0"/>
+                        </a:spcBef>
+                        <a:spcAft>
+                          <a:spcPts val="0"/>
+                        </a:spcAft>
+                        <a:buNone/>
+                      </a:pPr>
+                      <a:r>
+                        <a:t/>
+                      </a:r>
+                      <a:endParaRPr sz="1200" u="none" cap="none" strike="noStrike"/>
+                    </a:p>
+                  </a:txBody>
+                  <a:tcPr marT="45725" marB="45725" marR="91450" marL="91450" anchor="ctr">
+                    <a:solidFill>
+                      <a:srgbClr val="FFC000"/>
+                    </a:solidFill>
+                  </a:tcPr>
+                </a:tc>
+                <a:tc>
+                  <a:txBody>
+                    <a:bodyPr/>
+                    <a:lstStyle/>
+                    <a:p>
+                      <a:pPr indent="0" lvl="0" marL="0" marR="0" rtl="0" algn="ctr">
+                        <a:lnSpc>
+                          <a:spcPct val="100000"/>
+                        </a:lnSpc>
+                        <a:spcBef>
+                          <a:spcPts val="0"/>
+                        </a:spcBef>
+                        <a:spcAft>
+                          <a:spcPts val="0"/>
+                        </a:spcAft>
+                        <a:buNone/>
+                      </a:pPr>
+                      <a:r>
+                        <a:t/>
+                      </a:r>
+                      <a:endParaRPr sz="1200" u="none" cap="none" strike="noStrike"/>
+                    </a:p>
+                  </a:txBody>
+                  <a:tcPr marT="45725" marB="45725" marR="91450" marL="91450" anchor="ctr">
+                    <a:solidFill>
+                      <a:srgbClr val="FFC000"/>
+                    </a:solidFill>
+                  </a:tcPr>
+                </a:tc>
+                <a:tc>
+                  <a:txBody>
+                    <a:bodyPr/>
+                    <a:lstStyle/>
+                    <a:p>
+                      <a:pPr indent="0" lvl="0" marL="0" marR="0" rtl="0" algn="ctr">
+                        <a:lnSpc>
+                          <a:spcPct val="100000"/>
+                        </a:lnSpc>
+                        <a:spcBef>
+                          <a:spcPts val="0"/>
+                        </a:spcBef>
+                        <a:spcAft>
+                          <a:spcPts val="0"/>
+                        </a:spcAft>
+                        <a:buNone/>
+                      </a:pPr>
+                      <a:r>
+                        <a:t/>
+                      </a:r>
+                      <a:endParaRPr sz="1200" u="none" cap="none" strike="noStrike"/>
+                    </a:p>
+                  </a:txBody>
+                  <a:tcPr marT="45725" marB="45725" marR="91450" marL="91450" anchor="ctr">
+                    <a:solidFill>
+                      <a:schemeClr val="lt1"/>
+                    </a:solidFill>
+                  </a:tcPr>
+                </a:tc>
+                <a:tc>
+                  <a:txBody>
+                    <a:bodyPr/>
+                    <a:lstStyle/>
+                    <a:p>
+                      <a:pPr indent="0" lvl="0" marL="0" marR="0" rtl="0" algn="ctr">
+                        <a:lnSpc>
+                          <a:spcPct val="100000"/>
+                        </a:lnSpc>
+                        <a:spcBef>
+                          <a:spcPts val="0"/>
+                        </a:spcBef>
+                        <a:spcAft>
+                          <a:spcPts val="0"/>
+                        </a:spcAft>
+                        <a:buNone/>
+                      </a:pPr>
+                      <a:r>
+                        <a:t/>
+                      </a:r>
+                      <a:endParaRPr sz="1200" u="none" cap="none" strike="noStrike"/>
+                    </a:p>
+                  </a:txBody>
+                  <a:tcPr marT="45725" marB="45725" marR="91450" marL="91450" anchor="ctr"/>
+                </a:tc>
+                <a:tc>
+                  <a:txBody>
+                    <a:bodyPr/>
+                    <a:lstStyle/>
+                    <a:p>
+                      <a:pPr indent="0" lvl="0" marL="0" marR="0" rtl="0" algn="ctr">
+                        <a:lnSpc>
+                          <a:spcPct val="100000"/>
+                        </a:lnSpc>
+                        <a:spcBef>
+                          <a:spcPts val="0"/>
+                        </a:spcBef>
+                        <a:spcAft>
+                          <a:spcPts val="0"/>
+                        </a:spcAft>
+                        <a:buNone/>
+                      </a:pPr>
+                      <a:r>
+                        <a:t/>
+                      </a:r>
+                      <a:endParaRPr sz="1200" u="none" cap="none" strike="noStrike"/>
+                    </a:p>
+                  </a:txBody>
+                  <a:tcPr marT="45725" marB="45725" marR="91450" marL="91450" anchor="ctr"/>
+                </a:tc>
+                <a:tc>
+                  <a:txBody>
+                    <a:bodyPr/>
+                    <a:lstStyle/>
+                    <a:p>
+                      <a:pPr indent="0" lvl="0" marL="0" marR="0" rtl="0" algn="ctr">
+                        <a:lnSpc>
+                          <a:spcPct val="100000"/>
+                        </a:lnSpc>
+                        <a:spcBef>
+                          <a:spcPts val="0"/>
+                        </a:spcBef>
+                        <a:spcAft>
+                          <a:spcPts val="0"/>
+                        </a:spcAft>
+                        <a:buNone/>
+                      </a:pPr>
+                      <a:r>
+                        <a:t/>
+                      </a:r>
+                      <a:endParaRPr sz="1200" u="none" cap="none" strike="noStrike"/>
+                    </a:p>
+                  </a:txBody>
+                  <a:tcPr marT="45725" marB="45725" marR="91450" marL="91450" anchor="ctr"/>
+                </a:tc>
+                <a:tc>
+                  <a:txBody>
+                    <a:bodyPr/>
+                    <a:lstStyle/>
+                    <a:p>
+                      <a:pPr indent="0" lvl="0" marL="0" marR="0" rtl="0" algn="ctr">
+                        <a:lnSpc>
+                          <a:spcPct val="100000"/>
+                        </a:lnSpc>
+                        <a:spcBef>
+                          <a:spcPts val="0"/>
+                        </a:spcBef>
+                        <a:spcAft>
+                          <a:spcPts val="0"/>
+                        </a:spcAft>
+                        <a:buNone/>
+                      </a:pPr>
+                      <a:r>
+                        <a:t/>
+                      </a:r>
+                      <a:endParaRPr sz="1200" u="none" cap="none" strike="noStrike"/>
+                    </a:p>
+                  </a:txBody>
+                  <a:tcPr marT="45725" marB="45725" marR="91450" marL="91450" anchor="ctr"/>
+                </a:tc>
+                <a:tc>
+                  <a:txBody>
+                    <a:bodyPr/>
+                    <a:lstStyle/>
+                    <a:p>
+                      <a:pPr indent="0" lvl="0" marL="0" marR="0" rtl="0" algn="ctr">
+                        <a:lnSpc>
+                          <a:spcPct val="100000"/>
+                        </a:lnSpc>
+                        <a:spcBef>
+                          <a:spcPts val="0"/>
+                        </a:spcBef>
+                        <a:spcAft>
+                          <a:spcPts val="0"/>
+                        </a:spcAft>
+                        <a:buNone/>
+                      </a:pPr>
+                      <a:r>
+                        <a:t/>
+                      </a:r>
+                      <a:endParaRPr sz="1200" u="none" cap="none" strike="noStrike"/>
+                    </a:p>
+                  </a:txBody>
+                  <a:tcPr marT="45725" marB="45725" marR="91450" marL="91450" anchor="ctr"/>
+                </a:tc>
+                <a:tc>
+                  <a:txBody>
+                    <a:bodyPr/>
+                    <a:lstStyle/>
+                    <a:p>
+                      <a:pPr indent="0" lvl="0" marL="0" marR="0" rtl="0" algn="ctr">
+                        <a:lnSpc>
+                          <a:spcPct val="100000"/>
+                        </a:lnSpc>
+                        <a:spcBef>
+                          <a:spcPts val="0"/>
+                        </a:spcBef>
+                        <a:spcAft>
+                          <a:spcPts val="0"/>
+                        </a:spcAft>
+                        <a:buNone/>
+                      </a:pPr>
+                      <a:r>
+                        <a:t/>
+                      </a:r>
+                      <a:endParaRPr sz="1200" u="none" cap="none" strike="noStrike"/>
+                    </a:p>
+                  </a:txBody>
+                  <a:tcPr marT="45725" marB="45725" marR="91450" marL="91450" anchor="ctr"/>
+                </a:tc>
+                <a:tc>
+                  <a:txBody>
+                    <a:bodyPr/>
+                    <a:lstStyle/>
+                    <a:p>
+                      <a:pPr indent="0" lvl="0" marL="0" marR="0" rtl="0" algn="ctr">
+                        <a:lnSpc>
+                          <a:spcPct val="100000"/>
+                        </a:lnSpc>
+                        <a:spcBef>
+                          <a:spcPts val="0"/>
+                        </a:spcBef>
+                        <a:spcAft>
+                          <a:spcPts val="0"/>
+                        </a:spcAft>
+                        <a:buNone/>
+                      </a:pPr>
+                      <a:r>
+                        <a:t/>
+                      </a:r>
+                      <a:endParaRPr sz="1200" u="none" cap="none" strike="noStrike"/>
+                    </a:p>
+                  </a:txBody>
+                  <a:tcPr marT="45725" marB="45725" marR="91450" marL="91450" anchor="ctr"/>
+                </a:tc>
+                <a:tc>
+                  <a:txBody>
+                    <a:bodyPr/>
+                    <a:lstStyle/>
+                    <a:p>
+                      <a:pPr indent="0" lvl="0" marL="0" marR="0" rtl="0" algn="ctr">
+                        <a:lnSpc>
+                          <a:spcPct val="100000"/>
+                        </a:lnSpc>
+                        <a:spcBef>
+                          <a:spcPts val="0"/>
+                        </a:spcBef>
+                        <a:spcAft>
+                          <a:spcPts val="0"/>
+                        </a:spcAft>
+                        <a:buNone/>
+                      </a:pPr>
+                      <a:r>
+                        <a:t/>
+                      </a:r>
+                      <a:endParaRPr sz="1200" u="none" cap="none" strike="noStrike"/>
+                    </a:p>
+                  </a:txBody>
+                  <a:tcPr marT="45725" marB="45725" marR="91450" marL="91450" anchor="ctr"/>
+                </a:tc>
+                <a:tc>
+                  <a:txBody>
+                    <a:bodyPr/>
+                    <a:lstStyle/>
+                    <a:p>
+                      <a:pPr indent="0" lvl="0" marL="0" marR="0" rtl="0" algn="ctr">
+                        <a:lnSpc>
+                          <a:spcPct val="100000"/>
+                        </a:lnSpc>
+                        <a:spcBef>
+                          <a:spcPts val="0"/>
+                        </a:spcBef>
+                        <a:spcAft>
+                          <a:spcPts val="0"/>
+                        </a:spcAft>
+                        <a:buNone/>
+                      </a:pPr>
+                      <a:r>
+                        <a:t/>
+                      </a:r>
+                      <a:endParaRPr sz="1200" u="none" cap="none" strike="noStrike"/>
+                    </a:p>
+                  </a:txBody>
+                  <a:tcPr marT="45725" marB="45725" marR="91450" marL="91450" anchor="ctr"/>
+                </a:tc>
+              </a:tr>
+              <a:tr h="336675">
+                <a:tc>
+                  <a:txBody>
+                    <a:bodyPr/>
+                    <a:lstStyle/>
+                    <a:p>
+                      <a:pPr indent="0" lvl="0" marL="0" marR="0" rtl="0" algn="l">
+                        <a:lnSpc>
+                          <a:spcPct val="100000"/>
+                        </a:lnSpc>
+                        <a:spcBef>
+                          <a:spcPts val="0"/>
+                        </a:spcBef>
+                        <a:spcAft>
+                          <a:spcPts val="0"/>
+                        </a:spcAft>
+                        <a:buNone/>
+                      </a:pPr>
+                      <a:r>
+                        <a:rPr lang="en" sz="900"/>
+                        <a:t>Pembuatan Query Sparql</a:t>
+                      </a:r>
+                      <a:endParaRPr sz="900" u="none" cap="none" strike="noStrike"/>
+                    </a:p>
+                  </a:txBody>
+                  <a:tcPr marT="45725" marB="45725" marR="91450" marL="91450" anchor="ctr"/>
+                </a:tc>
+                <a:tc>
+                  <a:txBody>
+                    <a:bodyPr/>
+                    <a:lstStyle/>
+                    <a:p>
+                      <a:pPr indent="0" lvl="0" marL="0" marR="0" rtl="0" algn="ctr">
+                        <a:lnSpc>
+                          <a:spcPct val="100000"/>
+                        </a:lnSpc>
+                        <a:spcBef>
+                          <a:spcPts val="0"/>
+                        </a:spcBef>
+                        <a:spcAft>
+                          <a:spcPts val="0"/>
+                        </a:spcAft>
+                        <a:buNone/>
+                      </a:pPr>
+                      <a:r>
+                        <a:t/>
+                      </a:r>
+                      <a:endParaRPr sz="1200" u="none" cap="none" strike="noStrike"/>
+                    </a:p>
+                  </a:txBody>
+                  <a:tcPr marT="45725" marB="45725" marR="91450" marL="91450" anchor="ctr"/>
+                </a:tc>
+                <a:tc>
+                  <a:txBody>
+                    <a:bodyPr/>
+                    <a:lstStyle/>
+                    <a:p>
+                      <a:pPr indent="0" lvl="0" marL="0" marR="0" rtl="0" algn="ctr">
+                        <a:lnSpc>
+                          <a:spcPct val="100000"/>
+                        </a:lnSpc>
+                        <a:spcBef>
+                          <a:spcPts val="0"/>
+                        </a:spcBef>
+                        <a:spcAft>
+                          <a:spcPts val="0"/>
+                        </a:spcAft>
+                        <a:buNone/>
+                      </a:pPr>
+                      <a:r>
+                        <a:t/>
+                      </a:r>
+                      <a:endParaRPr sz="1200" u="none" cap="none" strike="noStrike"/>
+                    </a:p>
+                  </a:txBody>
+                  <a:tcPr marT="45725" marB="45725" marR="91450" marL="91450" anchor="ctr"/>
+                </a:tc>
+                <a:tc>
+                  <a:txBody>
+                    <a:bodyPr/>
+                    <a:lstStyle/>
+                    <a:p>
+                      <a:pPr indent="0" lvl="0" marL="0" marR="0" rtl="0" algn="ctr">
+                        <a:lnSpc>
+                          <a:spcPct val="100000"/>
+                        </a:lnSpc>
+                        <a:spcBef>
+                          <a:spcPts val="0"/>
+                        </a:spcBef>
+                        <a:spcAft>
+                          <a:spcPts val="0"/>
+                        </a:spcAft>
+                        <a:buNone/>
+                      </a:pPr>
+                      <a:r>
+                        <a:t/>
+                      </a:r>
+                      <a:endParaRPr sz="1200" u="none" cap="none" strike="noStrike"/>
+                    </a:p>
+                  </a:txBody>
+                  <a:tcPr marT="45725" marB="45725" marR="91450" marL="91450" anchor="ctr"/>
+                </a:tc>
+                <a:tc>
+                  <a:txBody>
+                    <a:bodyPr/>
+                    <a:lstStyle/>
+                    <a:p>
+                      <a:pPr indent="0" lvl="0" marL="0" marR="0" rtl="0" algn="ctr">
+                        <a:lnSpc>
+                          <a:spcPct val="100000"/>
+                        </a:lnSpc>
+                        <a:spcBef>
+                          <a:spcPts val="0"/>
+                        </a:spcBef>
+                        <a:spcAft>
+                          <a:spcPts val="0"/>
+                        </a:spcAft>
+                        <a:buNone/>
+                      </a:pPr>
+                      <a:r>
+                        <a:t/>
+                      </a:r>
+                      <a:endParaRPr sz="1200" u="none" cap="none" strike="noStrike"/>
+                    </a:p>
+                  </a:txBody>
+                  <a:tcPr marT="45725" marB="45725" marR="91450" marL="91450" anchor="ctr"/>
+                </a:tc>
+                <a:tc>
+                  <a:txBody>
+                    <a:bodyPr/>
+                    <a:lstStyle/>
+                    <a:p>
+                      <a:pPr indent="0" lvl="0" marL="0" marR="0" rtl="0" algn="ctr">
+                        <a:lnSpc>
+                          <a:spcPct val="100000"/>
+                        </a:lnSpc>
+                        <a:spcBef>
+                          <a:spcPts val="0"/>
+                        </a:spcBef>
+                        <a:spcAft>
+                          <a:spcPts val="0"/>
+                        </a:spcAft>
+                        <a:buNone/>
+                      </a:pPr>
+                      <a:r>
+                        <a:t/>
+                      </a:r>
+                      <a:endParaRPr sz="1200" u="none" cap="none" strike="noStrike"/>
+                    </a:p>
+                  </a:txBody>
+                  <a:tcPr marT="45725" marB="45725" marR="91450" marL="91450" anchor="ctr"/>
+                </a:tc>
+                <a:tc>
+                  <a:txBody>
+                    <a:bodyPr/>
+                    <a:lstStyle/>
+                    <a:p>
+                      <a:pPr indent="0" lvl="0" marL="0" marR="0" rtl="0" algn="ctr">
+                        <a:lnSpc>
+                          <a:spcPct val="100000"/>
+                        </a:lnSpc>
+                        <a:spcBef>
+                          <a:spcPts val="0"/>
+                        </a:spcBef>
+                        <a:spcAft>
+                          <a:spcPts val="0"/>
+                        </a:spcAft>
+                        <a:buNone/>
+                      </a:pPr>
+                      <a:r>
+                        <a:t/>
+                      </a:r>
+                      <a:endParaRPr sz="1200" u="none" cap="none" strike="noStrike"/>
+                    </a:p>
+                  </a:txBody>
+                  <a:tcPr marT="45725" marB="45725" marR="91450" marL="91450" anchor="ctr">
+                    <a:solidFill>
+                      <a:srgbClr val="00B0F0"/>
+                    </a:solidFill>
+                  </a:tcPr>
+                </a:tc>
+                <a:tc>
+                  <a:txBody>
+                    <a:bodyPr/>
+                    <a:lstStyle/>
+                    <a:p>
+                      <a:pPr indent="0" lvl="0" marL="0" marR="0" rtl="0" algn="ctr">
+                        <a:lnSpc>
+                          <a:spcPct val="100000"/>
+                        </a:lnSpc>
+                        <a:spcBef>
+                          <a:spcPts val="0"/>
+                        </a:spcBef>
+                        <a:spcAft>
+                          <a:spcPts val="0"/>
+                        </a:spcAft>
+                        <a:buNone/>
+                      </a:pPr>
+                      <a:r>
+                        <a:t/>
+                      </a:r>
+                      <a:endParaRPr sz="1200" u="none" cap="none" strike="noStrike">
+                        <a:solidFill>
+                          <a:srgbClr val="00B0F0"/>
+                        </a:solidFill>
+                      </a:endParaRPr>
+                    </a:p>
+                  </a:txBody>
+                  <a:tcPr marT="45725" marB="45725" marR="91450" marL="91450" anchor="ctr">
+                    <a:solidFill>
+                      <a:srgbClr val="00B0F0"/>
+                    </a:solidFill>
+                  </a:tcPr>
+                </a:tc>
+                <a:tc>
+                  <a:txBody>
+                    <a:bodyPr/>
+                    <a:lstStyle/>
+                    <a:p>
+                      <a:pPr indent="0" lvl="0" marL="0" marR="0" rtl="0" algn="ctr">
+                        <a:lnSpc>
+                          <a:spcPct val="100000"/>
+                        </a:lnSpc>
+                        <a:spcBef>
+                          <a:spcPts val="0"/>
+                        </a:spcBef>
+                        <a:spcAft>
+                          <a:spcPts val="0"/>
+                        </a:spcAft>
+                        <a:buNone/>
+                      </a:pPr>
+                      <a:r>
+                        <a:t/>
+                      </a:r>
+                      <a:endParaRPr sz="1200" u="none" cap="none" strike="noStrike">
+                        <a:solidFill>
+                          <a:srgbClr val="00B0F0"/>
+                        </a:solidFill>
+                      </a:endParaRPr>
+                    </a:p>
+                  </a:txBody>
+                  <a:tcPr marT="45725" marB="45725" marR="91450" marL="91450" anchor="ctr">
+                    <a:solidFill>
+                      <a:srgbClr val="00B0F0"/>
+                    </a:solidFill>
+                  </a:tcPr>
+                </a:tc>
+                <a:tc>
+                  <a:txBody>
+                    <a:bodyPr/>
+                    <a:lstStyle/>
+                    <a:p>
+                      <a:pPr indent="0" lvl="0" marL="0" marR="0" rtl="0" algn="ctr">
+                        <a:lnSpc>
+                          <a:spcPct val="100000"/>
+                        </a:lnSpc>
+                        <a:spcBef>
+                          <a:spcPts val="0"/>
+                        </a:spcBef>
+                        <a:spcAft>
+                          <a:spcPts val="0"/>
+                        </a:spcAft>
+                        <a:buNone/>
+                      </a:pPr>
+                      <a:r>
+                        <a:t/>
+                      </a:r>
+                      <a:endParaRPr sz="1200" u="none" cap="none" strike="noStrike">
+                        <a:solidFill>
+                          <a:srgbClr val="00B0F0"/>
+                        </a:solidFill>
+                      </a:endParaRPr>
+                    </a:p>
+                  </a:txBody>
+                  <a:tcPr marT="45725" marB="45725" marR="91450" marL="91450" anchor="ctr">
+                    <a:solidFill>
+                      <a:srgbClr val="00B0F0"/>
+                    </a:solidFill>
+                  </a:tcPr>
+                </a:tc>
+                <a:tc>
+                  <a:txBody>
+                    <a:bodyPr/>
+                    <a:lstStyle/>
+                    <a:p>
+                      <a:pPr indent="0" lvl="0" marL="0" marR="0" rtl="0" algn="ctr">
+                        <a:lnSpc>
+                          <a:spcPct val="100000"/>
+                        </a:lnSpc>
+                        <a:spcBef>
+                          <a:spcPts val="0"/>
+                        </a:spcBef>
+                        <a:spcAft>
+                          <a:spcPts val="0"/>
+                        </a:spcAft>
+                        <a:buNone/>
+                      </a:pPr>
+                      <a:r>
+                        <a:t/>
+                      </a:r>
+                      <a:endParaRPr sz="1200" u="none" cap="none" strike="noStrike">
+                        <a:solidFill>
+                          <a:srgbClr val="00B0F0"/>
+                        </a:solidFill>
+                      </a:endParaRPr>
+                    </a:p>
+                  </a:txBody>
+                  <a:tcPr marT="45725" marB="45725" marR="91450" marL="91450" anchor="ctr">
+                    <a:solidFill>
+                      <a:srgbClr val="00B0F0"/>
+                    </a:solidFill>
+                  </a:tcPr>
+                </a:tc>
+                <a:tc>
+                  <a:txBody>
+                    <a:bodyPr/>
+                    <a:lstStyle/>
+                    <a:p>
+                      <a:pPr indent="0" lvl="0" marL="0" marR="0" rtl="0" algn="ctr">
+                        <a:lnSpc>
+                          <a:spcPct val="100000"/>
+                        </a:lnSpc>
+                        <a:spcBef>
+                          <a:spcPts val="0"/>
+                        </a:spcBef>
+                        <a:spcAft>
+                          <a:spcPts val="0"/>
+                        </a:spcAft>
+                        <a:buNone/>
+                      </a:pPr>
+                      <a:r>
+                        <a:t/>
+                      </a:r>
+                      <a:endParaRPr sz="1200" u="none" cap="none" strike="noStrike">
+                        <a:solidFill>
+                          <a:srgbClr val="00B0F0"/>
+                        </a:solidFill>
+                      </a:endParaRPr>
+                    </a:p>
+                  </a:txBody>
+                  <a:tcPr marT="45725" marB="45725" marR="91450" marL="91450" anchor="ctr">
+                    <a:solidFill>
+                      <a:schemeClr val="lt1"/>
+                    </a:solidFill>
+                  </a:tcPr>
+                </a:tc>
+                <a:tc>
+                  <a:txBody>
+                    <a:bodyPr/>
+                    <a:lstStyle/>
+                    <a:p>
+                      <a:pPr indent="0" lvl="0" marL="0" marR="0" rtl="0" algn="ctr">
+                        <a:lnSpc>
+                          <a:spcPct val="100000"/>
+                        </a:lnSpc>
+                        <a:spcBef>
+                          <a:spcPts val="0"/>
+                        </a:spcBef>
+                        <a:spcAft>
+                          <a:spcPts val="0"/>
+                        </a:spcAft>
+                        <a:buNone/>
+                      </a:pPr>
+                      <a:r>
+                        <a:t/>
+                      </a:r>
+                      <a:endParaRPr sz="1200" u="none" cap="none" strike="noStrike">
+                        <a:solidFill>
+                          <a:srgbClr val="00B0F0"/>
+                        </a:solidFill>
+                      </a:endParaRPr>
+                    </a:p>
+                  </a:txBody>
+                  <a:tcPr marT="45725" marB="45725" marR="91450" marL="91450" anchor="ctr">
+                    <a:solidFill>
+                      <a:schemeClr val="lt1"/>
+                    </a:solidFill>
+                  </a:tcPr>
+                </a:tc>
+                <a:tc>
+                  <a:txBody>
+                    <a:bodyPr/>
+                    <a:lstStyle/>
+                    <a:p>
+                      <a:pPr indent="0" lvl="0" marL="0" marR="0" rtl="0" algn="ctr">
+                        <a:lnSpc>
+                          <a:spcPct val="100000"/>
+                        </a:lnSpc>
+                        <a:spcBef>
+                          <a:spcPts val="0"/>
+                        </a:spcBef>
+                        <a:spcAft>
+                          <a:spcPts val="0"/>
+                        </a:spcAft>
+                        <a:buNone/>
+                      </a:pPr>
+                      <a:r>
+                        <a:t/>
+                      </a:r>
+                      <a:endParaRPr sz="1200" u="none" cap="none" strike="noStrike"/>
+                    </a:p>
+                  </a:txBody>
+                  <a:tcPr marT="45725" marB="45725" marR="91450" marL="91450" anchor="ctr"/>
+                </a:tc>
+                <a:tc>
+                  <a:txBody>
+                    <a:bodyPr/>
+                    <a:lstStyle/>
+                    <a:p>
+                      <a:pPr indent="0" lvl="0" marL="0" marR="0" rtl="0" algn="ctr">
+                        <a:lnSpc>
+                          <a:spcPct val="100000"/>
+                        </a:lnSpc>
+                        <a:spcBef>
+                          <a:spcPts val="0"/>
+                        </a:spcBef>
+                        <a:spcAft>
+                          <a:spcPts val="0"/>
+                        </a:spcAft>
+                        <a:buNone/>
+                      </a:pPr>
+                      <a:r>
+                        <a:t/>
+                      </a:r>
+                      <a:endParaRPr sz="1200" u="none" cap="none" strike="noStrike"/>
+                    </a:p>
+                  </a:txBody>
+                  <a:tcPr marT="45725" marB="45725" marR="91450" marL="91450" anchor="ctr"/>
+                </a:tc>
+                <a:tc>
+                  <a:txBody>
+                    <a:bodyPr/>
+                    <a:lstStyle/>
+                    <a:p>
+                      <a:pPr indent="0" lvl="0" marL="0" marR="0" rtl="0" algn="ctr">
+                        <a:lnSpc>
+                          <a:spcPct val="100000"/>
+                        </a:lnSpc>
+                        <a:spcBef>
+                          <a:spcPts val="0"/>
+                        </a:spcBef>
+                        <a:spcAft>
+                          <a:spcPts val="0"/>
+                        </a:spcAft>
+                        <a:buNone/>
+                      </a:pPr>
+                      <a:r>
+                        <a:t/>
+                      </a:r>
+                      <a:endParaRPr sz="1200" u="none" cap="none" strike="noStrike"/>
+                    </a:p>
+                  </a:txBody>
+                  <a:tcPr marT="45725" marB="45725" marR="91450" marL="91450" anchor="ctr"/>
+                </a:tc>
+                <a:tc>
+                  <a:txBody>
+                    <a:bodyPr/>
+                    <a:lstStyle/>
+                    <a:p>
+                      <a:pPr indent="0" lvl="0" marL="0" marR="0" rtl="0" algn="ctr">
+                        <a:lnSpc>
+                          <a:spcPct val="100000"/>
+                        </a:lnSpc>
+                        <a:spcBef>
+                          <a:spcPts val="0"/>
+                        </a:spcBef>
+                        <a:spcAft>
+                          <a:spcPts val="0"/>
+                        </a:spcAft>
+                        <a:buNone/>
+                      </a:pPr>
+                      <a:r>
+                        <a:t/>
+                      </a:r>
+                      <a:endParaRPr sz="1200" u="none" cap="none" strike="noStrike"/>
+                    </a:p>
+                  </a:txBody>
+                  <a:tcPr marT="45725" marB="45725" marR="91450" marL="91450" anchor="ctr"/>
+                </a:tc>
+              </a:tr>
+              <a:tr h="336675">
+                <a:tc>
+                  <a:txBody>
+                    <a:bodyPr/>
+                    <a:lstStyle/>
+                    <a:p>
+                      <a:pPr indent="0" lvl="0" marL="0" marR="0" rtl="0" algn="l">
+                        <a:lnSpc>
+                          <a:spcPct val="100000"/>
+                        </a:lnSpc>
+                        <a:spcBef>
+                          <a:spcPts val="0"/>
+                        </a:spcBef>
+                        <a:spcAft>
+                          <a:spcPts val="0"/>
+                        </a:spcAft>
+                        <a:buNone/>
+                      </a:pPr>
+                      <a:r>
+                        <a:rPr lang="en" sz="900"/>
+                        <a:t>Pengembangan BE</a:t>
+                      </a:r>
+                      <a:endParaRPr sz="900" u="none" cap="none" strike="noStrike"/>
+                    </a:p>
+                  </a:txBody>
+                  <a:tcPr marT="45725" marB="45725" marR="91450" marL="91450" anchor="ctr"/>
+                </a:tc>
+                <a:tc>
+                  <a:txBody>
+                    <a:bodyPr/>
+                    <a:lstStyle/>
+                    <a:p>
+                      <a:pPr indent="0" lvl="0" marL="0" marR="0" rtl="0" algn="ctr">
+                        <a:lnSpc>
+                          <a:spcPct val="100000"/>
+                        </a:lnSpc>
+                        <a:spcBef>
+                          <a:spcPts val="0"/>
+                        </a:spcBef>
+                        <a:spcAft>
+                          <a:spcPts val="0"/>
+                        </a:spcAft>
+                        <a:buNone/>
+                      </a:pPr>
+                      <a:r>
+                        <a:t/>
+                      </a:r>
+                      <a:endParaRPr sz="1200" u="none" cap="none" strike="noStrike"/>
+                    </a:p>
+                  </a:txBody>
+                  <a:tcPr marT="45725" marB="45725" marR="91450" marL="91450" anchor="ctr"/>
+                </a:tc>
+                <a:tc>
+                  <a:txBody>
+                    <a:bodyPr/>
+                    <a:lstStyle/>
+                    <a:p>
+                      <a:pPr indent="0" lvl="0" marL="0" marR="0" rtl="0" algn="ctr">
+                        <a:lnSpc>
+                          <a:spcPct val="100000"/>
+                        </a:lnSpc>
+                        <a:spcBef>
+                          <a:spcPts val="0"/>
+                        </a:spcBef>
+                        <a:spcAft>
+                          <a:spcPts val="0"/>
+                        </a:spcAft>
+                        <a:buNone/>
+                      </a:pPr>
+                      <a:r>
+                        <a:t/>
+                      </a:r>
+                      <a:endParaRPr sz="1200" u="none" cap="none" strike="noStrike"/>
+                    </a:p>
+                  </a:txBody>
+                  <a:tcPr marT="45725" marB="45725" marR="91450" marL="91450" anchor="ctr"/>
+                </a:tc>
+                <a:tc>
+                  <a:txBody>
+                    <a:bodyPr/>
+                    <a:lstStyle/>
+                    <a:p>
+                      <a:pPr indent="0" lvl="0" marL="0" marR="0" rtl="0" algn="ctr">
+                        <a:lnSpc>
+                          <a:spcPct val="100000"/>
+                        </a:lnSpc>
+                        <a:spcBef>
+                          <a:spcPts val="0"/>
+                        </a:spcBef>
+                        <a:spcAft>
+                          <a:spcPts val="0"/>
+                        </a:spcAft>
+                        <a:buNone/>
+                      </a:pPr>
+                      <a:r>
+                        <a:t/>
+                      </a:r>
+                      <a:endParaRPr sz="1200" u="none" cap="none" strike="noStrike"/>
+                    </a:p>
+                  </a:txBody>
+                  <a:tcPr marT="45725" marB="45725" marR="91450" marL="91450" anchor="ctr"/>
+                </a:tc>
+                <a:tc>
+                  <a:txBody>
+                    <a:bodyPr/>
+                    <a:lstStyle/>
+                    <a:p>
+                      <a:pPr indent="0" lvl="0" marL="0" marR="0" rtl="0" algn="ctr">
+                        <a:lnSpc>
+                          <a:spcPct val="100000"/>
+                        </a:lnSpc>
+                        <a:spcBef>
+                          <a:spcPts val="0"/>
+                        </a:spcBef>
+                        <a:spcAft>
+                          <a:spcPts val="0"/>
+                        </a:spcAft>
+                        <a:buNone/>
+                      </a:pPr>
+                      <a:r>
+                        <a:t/>
+                      </a:r>
+                      <a:endParaRPr sz="1200" u="none" cap="none" strike="noStrike"/>
+                    </a:p>
+                  </a:txBody>
+                  <a:tcPr marT="45725" marB="45725" marR="91450" marL="91450" anchor="ctr"/>
+                </a:tc>
+                <a:tc>
+                  <a:txBody>
+                    <a:bodyPr/>
+                    <a:lstStyle/>
+                    <a:p>
+                      <a:pPr indent="0" lvl="0" marL="0" marR="0" rtl="0" algn="ctr">
+                        <a:lnSpc>
+                          <a:spcPct val="100000"/>
+                        </a:lnSpc>
+                        <a:spcBef>
+                          <a:spcPts val="0"/>
+                        </a:spcBef>
+                        <a:spcAft>
+                          <a:spcPts val="0"/>
+                        </a:spcAft>
+                        <a:buNone/>
+                      </a:pPr>
+                      <a:r>
+                        <a:t/>
+                      </a:r>
+                      <a:endParaRPr sz="1200" u="none" cap="none" strike="noStrike"/>
+                    </a:p>
+                  </a:txBody>
+                  <a:tcPr marT="45725" marB="45725" marR="91450" marL="91450" anchor="ctr"/>
+                </a:tc>
+                <a:tc>
+                  <a:txBody>
+                    <a:bodyPr/>
+                    <a:lstStyle/>
+                    <a:p>
+                      <a:pPr indent="0" lvl="0" marL="0" marR="0" rtl="0" algn="ctr">
+                        <a:lnSpc>
+                          <a:spcPct val="100000"/>
+                        </a:lnSpc>
+                        <a:spcBef>
+                          <a:spcPts val="0"/>
+                        </a:spcBef>
+                        <a:spcAft>
+                          <a:spcPts val="0"/>
+                        </a:spcAft>
+                        <a:buNone/>
+                      </a:pPr>
+                      <a:r>
+                        <a:t/>
+                      </a:r>
+                      <a:endParaRPr sz="1200" u="none" cap="none" strike="noStrike"/>
+                    </a:p>
+                  </a:txBody>
+                  <a:tcPr marT="45725" marB="45725" marR="91450" marL="91450" anchor="ctr"/>
+                </a:tc>
+                <a:tc>
+                  <a:txBody>
+                    <a:bodyPr/>
+                    <a:lstStyle/>
+                    <a:p>
+                      <a:pPr indent="0" lvl="0" marL="0" marR="0" rtl="0" algn="ctr">
+                        <a:lnSpc>
+                          <a:spcPct val="100000"/>
+                        </a:lnSpc>
+                        <a:spcBef>
+                          <a:spcPts val="0"/>
+                        </a:spcBef>
+                        <a:spcAft>
+                          <a:spcPts val="0"/>
+                        </a:spcAft>
+                        <a:buNone/>
+                      </a:pPr>
+                      <a:r>
+                        <a:t/>
+                      </a:r>
+                      <a:endParaRPr sz="1200" u="none" cap="none" strike="noStrike"/>
+                    </a:p>
+                  </a:txBody>
+                  <a:tcPr marT="45725" marB="45725" marR="91450" marL="91450" anchor="ctr">
+                    <a:solidFill>
+                      <a:srgbClr val="002060"/>
+                    </a:solidFill>
+                  </a:tcPr>
+                </a:tc>
+                <a:tc>
+                  <a:txBody>
+                    <a:bodyPr/>
+                    <a:lstStyle/>
+                    <a:p>
+                      <a:pPr indent="0" lvl="0" marL="0" marR="0" rtl="0" algn="ctr">
+                        <a:lnSpc>
+                          <a:spcPct val="100000"/>
+                        </a:lnSpc>
+                        <a:spcBef>
+                          <a:spcPts val="0"/>
+                        </a:spcBef>
+                        <a:spcAft>
+                          <a:spcPts val="0"/>
+                        </a:spcAft>
+                        <a:buNone/>
+                      </a:pPr>
+                      <a:r>
+                        <a:t/>
+                      </a:r>
+                      <a:endParaRPr sz="1200" u="none" cap="none" strike="noStrike"/>
+                    </a:p>
+                  </a:txBody>
+                  <a:tcPr marT="45725" marB="45725" marR="91450" marL="91450" anchor="ctr">
+                    <a:solidFill>
+                      <a:srgbClr val="002060"/>
+                    </a:solidFill>
+                  </a:tcPr>
+                </a:tc>
+                <a:tc>
+                  <a:txBody>
+                    <a:bodyPr/>
+                    <a:lstStyle/>
+                    <a:p>
+                      <a:pPr indent="0" lvl="0" marL="0" marR="0" rtl="0" algn="ctr">
+                        <a:lnSpc>
+                          <a:spcPct val="100000"/>
+                        </a:lnSpc>
+                        <a:spcBef>
+                          <a:spcPts val="0"/>
+                        </a:spcBef>
+                        <a:spcAft>
+                          <a:spcPts val="0"/>
+                        </a:spcAft>
+                        <a:buNone/>
+                      </a:pPr>
+                      <a:r>
+                        <a:t/>
+                      </a:r>
+                      <a:endParaRPr sz="1200" u="none" cap="none" strike="noStrike"/>
+                    </a:p>
+                  </a:txBody>
+                  <a:tcPr marT="45725" marB="45725" marR="91450" marL="91450" anchor="ctr">
+                    <a:solidFill>
+                      <a:srgbClr val="002060"/>
+                    </a:solidFill>
+                  </a:tcPr>
+                </a:tc>
+                <a:tc>
+                  <a:txBody>
+                    <a:bodyPr/>
+                    <a:lstStyle/>
+                    <a:p>
+                      <a:pPr indent="0" lvl="0" marL="0" marR="0" rtl="0" algn="ctr">
+                        <a:lnSpc>
+                          <a:spcPct val="100000"/>
+                        </a:lnSpc>
+                        <a:spcBef>
+                          <a:spcPts val="0"/>
+                        </a:spcBef>
+                        <a:spcAft>
+                          <a:spcPts val="0"/>
+                        </a:spcAft>
+                        <a:buNone/>
+                      </a:pPr>
+                      <a:r>
+                        <a:t/>
+                      </a:r>
+                      <a:endParaRPr sz="1200" u="none" cap="none" strike="noStrike"/>
+                    </a:p>
+                  </a:txBody>
+                  <a:tcPr marT="45725" marB="45725" marR="91450" marL="91450" anchor="ctr">
+                    <a:solidFill>
+                      <a:srgbClr val="002060"/>
+                    </a:solidFill>
+                  </a:tcPr>
+                </a:tc>
+                <a:tc>
+                  <a:txBody>
+                    <a:bodyPr/>
+                    <a:lstStyle/>
+                    <a:p>
+                      <a:pPr indent="0" lvl="0" marL="0" marR="0" rtl="0" algn="ctr">
+                        <a:lnSpc>
+                          <a:spcPct val="100000"/>
+                        </a:lnSpc>
+                        <a:spcBef>
+                          <a:spcPts val="0"/>
+                        </a:spcBef>
+                        <a:spcAft>
+                          <a:spcPts val="0"/>
+                        </a:spcAft>
+                        <a:buNone/>
+                      </a:pPr>
+                      <a:r>
+                        <a:t/>
+                      </a:r>
+                      <a:endParaRPr sz="1200" u="none" cap="none" strike="noStrike"/>
+                    </a:p>
+                  </a:txBody>
+                  <a:tcPr marT="45725" marB="45725" marR="91450" marL="91450" anchor="ctr">
+                    <a:lnB cap="flat" cmpd="sng" w="12700">
+                      <a:solidFill>
+                        <a:srgbClr val="000000"/>
+                      </a:solidFill>
+                      <a:prstDash val="solid"/>
+                      <a:round/>
+                      <a:headEnd len="sm" w="sm" type="none"/>
+                      <a:tailEnd len="sm" w="sm" type="none"/>
+                    </a:lnB>
+                    <a:solidFill>
+                      <a:srgbClr val="002060"/>
+                    </a:solidFill>
+                  </a:tcPr>
+                </a:tc>
+                <a:tc>
+                  <a:txBody>
+                    <a:bodyPr/>
+                    <a:lstStyle/>
+                    <a:p>
+                      <a:pPr indent="0" lvl="0" marL="0" marR="0" rtl="0" algn="ctr">
+                        <a:lnSpc>
+                          <a:spcPct val="100000"/>
+                        </a:lnSpc>
+                        <a:spcBef>
+                          <a:spcPts val="0"/>
+                        </a:spcBef>
+                        <a:spcAft>
+                          <a:spcPts val="0"/>
+                        </a:spcAft>
+                        <a:buNone/>
+                      </a:pPr>
+                      <a:r>
+                        <a:t/>
+                      </a:r>
+                      <a:endParaRPr sz="1200" u="none" cap="none" strike="noStrike"/>
+                    </a:p>
+                  </a:txBody>
+                  <a:tcPr marT="45725" marB="45725" marR="91450" marL="91450" anchor="ctr">
+                    <a:lnB cap="flat" cmpd="sng" w="12700">
+                      <a:solidFill>
+                        <a:srgbClr val="000000"/>
+                      </a:solidFill>
+                      <a:prstDash val="solid"/>
+                      <a:round/>
+                      <a:headEnd len="sm" w="sm" type="none"/>
+                      <a:tailEnd len="sm" w="sm" type="none"/>
+                    </a:lnB>
+                    <a:solidFill>
+                      <a:schemeClr val="lt1"/>
+                    </a:solidFill>
+                  </a:tcPr>
+                </a:tc>
+                <a:tc>
+                  <a:txBody>
+                    <a:bodyPr/>
+                    <a:lstStyle/>
+                    <a:p>
+                      <a:pPr indent="0" lvl="0" marL="0" marR="0" rtl="0" algn="ctr">
+                        <a:lnSpc>
+                          <a:spcPct val="100000"/>
+                        </a:lnSpc>
+                        <a:spcBef>
+                          <a:spcPts val="0"/>
+                        </a:spcBef>
+                        <a:spcAft>
+                          <a:spcPts val="0"/>
+                        </a:spcAft>
+                        <a:buNone/>
+                      </a:pPr>
+                      <a:r>
+                        <a:t/>
+                      </a:r>
+                      <a:endParaRPr sz="1200" u="none" cap="none" strike="noStrike"/>
+                    </a:p>
+                  </a:txBody>
+                  <a:tcPr marT="45725" marB="45725" marR="91450" marL="91450" anchor="ctr">
+                    <a:lnB cap="flat" cmpd="sng" w="12700">
+                      <a:solidFill>
+                        <a:srgbClr val="000000"/>
+                      </a:solidFill>
+                      <a:prstDash val="solid"/>
+                      <a:round/>
+                      <a:headEnd len="sm" w="sm" type="none"/>
+                      <a:tailEnd len="sm" w="sm" type="none"/>
+                    </a:lnB>
+                  </a:tcPr>
+                </a:tc>
+                <a:tc>
+                  <a:txBody>
+                    <a:bodyPr/>
+                    <a:lstStyle/>
+                    <a:p>
+                      <a:pPr indent="0" lvl="0" marL="0" marR="0" rtl="0" algn="ctr">
+                        <a:lnSpc>
+                          <a:spcPct val="100000"/>
+                        </a:lnSpc>
+                        <a:spcBef>
+                          <a:spcPts val="0"/>
+                        </a:spcBef>
+                        <a:spcAft>
+                          <a:spcPts val="0"/>
+                        </a:spcAft>
+                        <a:buNone/>
+                      </a:pPr>
+                      <a:r>
+                        <a:t/>
+                      </a:r>
+                      <a:endParaRPr sz="1200" u="none" cap="none" strike="noStrike"/>
+                    </a:p>
+                  </a:txBody>
+                  <a:tcPr marT="45725" marB="45725" marR="91450" marL="91450" anchor="ctr">
+                    <a:lnB cap="flat" cmpd="sng" w="12700">
+                      <a:solidFill>
+                        <a:srgbClr val="000000"/>
+                      </a:solidFill>
+                      <a:prstDash val="solid"/>
+                      <a:round/>
+                      <a:headEnd len="sm" w="sm" type="none"/>
+                      <a:tailEnd len="sm" w="sm" type="none"/>
+                    </a:lnB>
+                  </a:tcPr>
+                </a:tc>
+                <a:tc>
+                  <a:txBody>
+                    <a:bodyPr/>
+                    <a:lstStyle/>
+                    <a:p>
+                      <a:pPr indent="0" lvl="0" marL="0" marR="0" rtl="0" algn="ctr">
+                        <a:lnSpc>
+                          <a:spcPct val="100000"/>
+                        </a:lnSpc>
+                        <a:spcBef>
+                          <a:spcPts val="0"/>
+                        </a:spcBef>
+                        <a:spcAft>
+                          <a:spcPts val="0"/>
+                        </a:spcAft>
+                        <a:buNone/>
+                      </a:pPr>
+                      <a:r>
+                        <a:t/>
+                      </a:r>
+                      <a:endParaRPr sz="1200" u="none" cap="none" strike="noStrike"/>
+                    </a:p>
+                  </a:txBody>
+                  <a:tcPr marT="45725" marB="45725" marR="91450" marL="91450" anchor="ctr">
+                    <a:lnB cap="flat" cmpd="sng" w="12700">
+                      <a:solidFill>
+                        <a:srgbClr val="000000"/>
+                      </a:solidFill>
+                      <a:prstDash val="solid"/>
+                      <a:round/>
+                      <a:headEnd len="sm" w="sm" type="none"/>
+                      <a:tailEnd len="sm" w="sm" type="none"/>
+                    </a:lnB>
+                  </a:tcPr>
+                </a:tc>
+                <a:tc>
+                  <a:txBody>
+                    <a:bodyPr/>
+                    <a:lstStyle/>
+                    <a:p>
+                      <a:pPr indent="0" lvl="0" marL="0" marR="0" rtl="0" algn="ctr">
+                        <a:lnSpc>
+                          <a:spcPct val="100000"/>
+                        </a:lnSpc>
+                        <a:spcBef>
+                          <a:spcPts val="0"/>
+                        </a:spcBef>
+                        <a:spcAft>
+                          <a:spcPts val="0"/>
+                        </a:spcAft>
+                        <a:buNone/>
+                      </a:pPr>
+                      <a:r>
+                        <a:t/>
+                      </a:r>
+                      <a:endParaRPr sz="1200" u="none" cap="none" strike="noStrike"/>
+                    </a:p>
+                  </a:txBody>
+                  <a:tcPr marT="45725" marB="45725" marR="91450" marL="91450" anchor="ctr"/>
+                </a:tc>
+              </a:tr>
+              <a:tr h="336675">
+                <a:tc>
+                  <a:txBody>
+                    <a:bodyPr/>
+                    <a:lstStyle/>
+                    <a:p>
+                      <a:pPr indent="0" lvl="0" marL="0" marR="0" rtl="0" algn="l">
+                        <a:lnSpc>
+                          <a:spcPct val="100000"/>
+                        </a:lnSpc>
+                        <a:spcBef>
+                          <a:spcPts val="0"/>
+                        </a:spcBef>
+                        <a:spcAft>
+                          <a:spcPts val="0"/>
+                        </a:spcAft>
+                        <a:buNone/>
+                      </a:pPr>
+                      <a:r>
+                        <a:rPr lang="en" sz="900"/>
+                        <a:t>Pengembangan FE</a:t>
+                      </a:r>
+                      <a:endParaRPr sz="900" u="none" cap="none" strike="noStrike"/>
+                    </a:p>
+                  </a:txBody>
+                  <a:tcPr marT="45725" marB="45725" marR="91450" marL="91450" anchor="ctr"/>
+                </a:tc>
+                <a:tc>
+                  <a:txBody>
+                    <a:bodyPr/>
+                    <a:lstStyle/>
+                    <a:p>
+                      <a:pPr indent="0" lvl="0" marL="0" marR="0" rtl="0" algn="ctr">
+                        <a:lnSpc>
+                          <a:spcPct val="100000"/>
+                        </a:lnSpc>
+                        <a:spcBef>
+                          <a:spcPts val="0"/>
+                        </a:spcBef>
+                        <a:spcAft>
+                          <a:spcPts val="0"/>
+                        </a:spcAft>
+                        <a:buNone/>
+                      </a:pPr>
+                      <a:r>
+                        <a:t/>
+                      </a:r>
+                      <a:endParaRPr sz="1200" u="none" cap="none" strike="noStrike"/>
+                    </a:p>
+                  </a:txBody>
+                  <a:tcPr marT="45725" marB="45725" marR="91450" marL="91450" anchor="ctr"/>
+                </a:tc>
+                <a:tc>
+                  <a:txBody>
+                    <a:bodyPr/>
+                    <a:lstStyle/>
+                    <a:p>
+                      <a:pPr indent="0" lvl="0" marL="0" marR="0" rtl="0" algn="ctr">
+                        <a:lnSpc>
+                          <a:spcPct val="100000"/>
+                        </a:lnSpc>
+                        <a:spcBef>
+                          <a:spcPts val="0"/>
+                        </a:spcBef>
+                        <a:spcAft>
+                          <a:spcPts val="0"/>
+                        </a:spcAft>
+                        <a:buNone/>
+                      </a:pPr>
+                      <a:r>
+                        <a:t/>
+                      </a:r>
+                      <a:endParaRPr sz="1200" u="none" cap="none" strike="noStrike"/>
+                    </a:p>
+                  </a:txBody>
+                  <a:tcPr marT="45725" marB="45725" marR="91450" marL="91450" anchor="ctr"/>
+                </a:tc>
+                <a:tc>
+                  <a:txBody>
+                    <a:bodyPr/>
+                    <a:lstStyle/>
+                    <a:p>
+                      <a:pPr indent="0" lvl="0" marL="0" marR="0" rtl="0" algn="ctr">
+                        <a:lnSpc>
+                          <a:spcPct val="100000"/>
+                        </a:lnSpc>
+                        <a:spcBef>
+                          <a:spcPts val="0"/>
+                        </a:spcBef>
+                        <a:spcAft>
+                          <a:spcPts val="0"/>
+                        </a:spcAft>
+                        <a:buNone/>
+                      </a:pPr>
+                      <a:r>
+                        <a:t/>
+                      </a:r>
+                      <a:endParaRPr sz="1200" u="none" cap="none" strike="noStrike"/>
+                    </a:p>
+                  </a:txBody>
+                  <a:tcPr marT="45725" marB="45725" marR="91450" marL="91450" anchor="ctr"/>
+                </a:tc>
+                <a:tc>
+                  <a:txBody>
+                    <a:bodyPr/>
+                    <a:lstStyle/>
+                    <a:p>
+                      <a:pPr indent="0" lvl="0" marL="0" marR="0" rtl="0" algn="ctr">
+                        <a:lnSpc>
+                          <a:spcPct val="100000"/>
+                        </a:lnSpc>
+                        <a:spcBef>
+                          <a:spcPts val="0"/>
+                        </a:spcBef>
+                        <a:spcAft>
+                          <a:spcPts val="0"/>
+                        </a:spcAft>
+                        <a:buNone/>
+                      </a:pPr>
+                      <a:r>
+                        <a:t/>
+                      </a:r>
+                      <a:endParaRPr sz="1200" u="none" cap="none" strike="noStrike"/>
+                    </a:p>
+                  </a:txBody>
+                  <a:tcPr marT="45725" marB="45725" marR="91450" marL="91450" anchor="ctr"/>
+                </a:tc>
+                <a:tc>
+                  <a:txBody>
+                    <a:bodyPr/>
+                    <a:lstStyle/>
+                    <a:p>
+                      <a:pPr indent="0" lvl="0" marL="0" marR="0" rtl="0" algn="ctr">
+                        <a:lnSpc>
+                          <a:spcPct val="100000"/>
+                        </a:lnSpc>
+                        <a:spcBef>
+                          <a:spcPts val="0"/>
+                        </a:spcBef>
+                        <a:spcAft>
+                          <a:spcPts val="0"/>
+                        </a:spcAft>
+                        <a:buNone/>
+                      </a:pPr>
+                      <a:r>
+                        <a:t/>
+                      </a:r>
+                      <a:endParaRPr sz="1200" u="none" cap="none" strike="noStrike"/>
+                    </a:p>
+                  </a:txBody>
+                  <a:tcPr marT="45725" marB="45725" marR="91450" marL="91450" anchor="ctr"/>
+                </a:tc>
+                <a:tc>
+                  <a:txBody>
+                    <a:bodyPr/>
+                    <a:lstStyle/>
+                    <a:p>
+                      <a:pPr indent="0" lvl="0" marL="0" marR="0" rtl="0" algn="ctr">
+                        <a:lnSpc>
+                          <a:spcPct val="100000"/>
+                        </a:lnSpc>
+                        <a:spcBef>
+                          <a:spcPts val="0"/>
+                        </a:spcBef>
+                        <a:spcAft>
+                          <a:spcPts val="0"/>
+                        </a:spcAft>
+                        <a:buNone/>
+                      </a:pPr>
+                      <a:r>
+                        <a:t/>
+                      </a:r>
+                      <a:endParaRPr sz="1200" u="none" cap="none" strike="noStrike"/>
+                    </a:p>
+                  </a:txBody>
+                  <a:tcPr marT="45725" marB="45725" marR="91450" marL="91450" anchor="ctr"/>
+                </a:tc>
+                <a:tc>
+                  <a:txBody>
+                    <a:bodyPr/>
+                    <a:lstStyle/>
+                    <a:p>
+                      <a:pPr indent="0" lvl="0" marL="0" marR="0" rtl="0" algn="ctr">
+                        <a:lnSpc>
+                          <a:spcPct val="100000"/>
+                        </a:lnSpc>
+                        <a:spcBef>
+                          <a:spcPts val="0"/>
+                        </a:spcBef>
+                        <a:spcAft>
+                          <a:spcPts val="0"/>
+                        </a:spcAft>
+                        <a:buNone/>
+                      </a:pPr>
+                      <a:r>
+                        <a:t/>
+                      </a:r>
+                      <a:endParaRPr sz="1200" u="none" cap="none" strike="noStrike"/>
+                    </a:p>
+                  </a:txBody>
+                  <a:tcPr marT="45725" marB="45725" marR="91450" marL="91450" anchor="ctr">
+                    <a:solidFill>
+                      <a:srgbClr val="FFFFFF"/>
+                    </a:solidFill>
+                  </a:tcPr>
+                </a:tc>
+                <a:tc>
+                  <a:txBody>
+                    <a:bodyPr/>
+                    <a:lstStyle/>
+                    <a:p>
+                      <a:pPr indent="0" lvl="0" marL="0" marR="0" rtl="0" algn="ctr">
+                        <a:lnSpc>
+                          <a:spcPct val="100000"/>
+                        </a:lnSpc>
+                        <a:spcBef>
+                          <a:spcPts val="0"/>
+                        </a:spcBef>
+                        <a:spcAft>
+                          <a:spcPts val="0"/>
+                        </a:spcAft>
+                        <a:buNone/>
+                      </a:pPr>
+                      <a:r>
+                        <a:t/>
+                      </a:r>
+                      <a:endParaRPr sz="1200" u="none" cap="none" strike="noStrike"/>
+                    </a:p>
+                  </a:txBody>
+                  <a:tcPr marT="45725" marB="45725" marR="91450" marL="91450" anchor="ctr">
+                    <a:solidFill>
+                      <a:srgbClr val="FFFFFF"/>
+                    </a:solidFill>
+                  </a:tcPr>
+                </a:tc>
+                <a:tc>
+                  <a:txBody>
+                    <a:bodyPr/>
+                    <a:lstStyle/>
+                    <a:p>
+                      <a:pPr indent="0" lvl="0" marL="0" marR="0" rtl="0" algn="ctr">
+                        <a:lnSpc>
+                          <a:spcPct val="100000"/>
+                        </a:lnSpc>
+                        <a:spcBef>
+                          <a:spcPts val="0"/>
+                        </a:spcBef>
+                        <a:spcAft>
+                          <a:spcPts val="0"/>
+                        </a:spcAft>
+                        <a:buNone/>
+                      </a:pPr>
+                      <a:r>
+                        <a:t/>
+                      </a:r>
+                      <a:endParaRPr sz="1200" u="none" cap="none" strike="noStrike"/>
+                    </a:p>
+                  </a:txBody>
+                  <a:tcPr marT="45725" marB="45725" marR="91450" marL="91450" anchor="ctr">
+                    <a:solidFill>
+                      <a:srgbClr val="FFFFFF"/>
+                    </a:solidFill>
+                  </a:tcPr>
+                </a:tc>
+                <a:tc>
+                  <a:txBody>
+                    <a:bodyPr/>
+                    <a:lstStyle/>
+                    <a:p>
+                      <a:pPr indent="0" lvl="0" marL="0" marR="0" rtl="0" algn="ctr">
+                        <a:lnSpc>
+                          <a:spcPct val="100000"/>
+                        </a:lnSpc>
+                        <a:spcBef>
+                          <a:spcPts val="0"/>
+                        </a:spcBef>
+                        <a:spcAft>
+                          <a:spcPts val="0"/>
+                        </a:spcAft>
+                        <a:buNone/>
+                      </a:pPr>
+                      <a:r>
+                        <a:t/>
+                      </a:r>
+                      <a:endParaRPr sz="1200" u="none" cap="none" strike="noStrike"/>
+                    </a:p>
+                  </a:txBody>
+                  <a:tcPr marT="45725" marB="45725" marR="91450" marL="91450" anchor="ctr">
+                    <a:lnR cap="flat" cmpd="sng" w="12700">
+                      <a:solidFill>
+                        <a:srgbClr val="000000"/>
+                      </a:solidFill>
+                      <a:prstDash val="solid"/>
+                      <a:round/>
+                      <a:headEnd len="sm" w="sm" type="none"/>
+                      <a:tailEnd len="sm" w="sm" type="none"/>
+                    </a:lnR>
+                    <a:solidFill>
+                      <a:srgbClr val="FFFFFF"/>
+                    </a:solidFill>
+                  </a:tcPr>
+                </a:tc>
+                <a:tc>
+                  <a:txBody>
+                    <a:bodyPr/>
+                    <a:lstStyle/>
+                    <a:p>
+                      <a:pPr indent="0" lvl="0" marL="0" marR="0" rtl="0" algn="ctr">
+                        <a:lnSpc>
+                          <a:spcPct val="100000"/>
+                        </a:lnSpc>
+                        <a:spcBef>
+                          <a:spcPts val="0"/>
+                        </a:spcBef>
+                        <a:spcAft>
+                          <a:spcPts val="0"/>
+                        </a:spcAft>
+                        <a:buNone/>
+                      </a:pPr>
+                      <a:r>
+                        <a:t/>
+                      </a:r>
+                      <a:endParaRPr sz="1200" u="none" cap="none" strike="noStrike"/>
+                    </a:p>
+                  </a:txBody>
+                  <a:tcPr marT="45725" marB="45725" marR="91450" marL="91450" anchor="ctr">
+                    <a:lnL cap="flat" cmpd="sng" w="12700">
+                      <a:solidFill>
+                        <a:srgbClr val="000000"/>
+                      </a:solidFill>
+                      <a:prstDash val="solid"/>
+                      <a:round/>
+                      <a:headEnd len="sm" w="sm" type="none"/>
+                      <a:tailEnd len="sm" w="sm" type="none"/>
+                    </a:lnL>
+                    <a:lnR cap="flat" cmpd="sng" w="12700">
+                      <a:solidFill>
+                        <a:srgbClr val="000000"/>
+                      </a:solidFill>
+                      <a:prstDash val="solid"/>
+                      <a:round/>
+                      <a:headEnd len="sm" w="sm" type="none"/>
+                      <a:tailEnd len="sm" w="sm" type="none"/>
+                    </a:lnR>
+                    <a:lnT cap="flat" cmpd="sng" w="12700">
+                      <a:solidFill>
+                        <a:srgbClr val="000000"/>
+                      </a:solidFill>
+                      <a:prstDash val="solid"/>
+                      <a:round/>
+                      <a:headEnd len="sm" w="sm" type="none"/>
+                      <a:tailEnd len="sm" w="sm" type="none"/>
+                    </a:lnT>
+                    <a:lnB cap="flat" cmpd="sng" w="12700">
+                      <a:solidFill>
+                        <a:srgbClr val="000000"/>
+                      </a:solidFill>
+                      <a:prstDash val="solid"/>
+                      <a:round/>
+                      <a:headEnd len="sm" w="sm" type="none"/>
+                      <a:tailEnd len="sm" w="sm" type="none"/>
+                    </a:lnB>
+                    <a:solidFill>
+                      <a:srgbClr val="EEFF41"/>
+                    </a:solidFill>
+                  </a:tcPr>
+                </a:tc>
+                <a:tc>
+                  <a:txBody>
+                    <a:bodyPr/>
+                    <a:lstStyle/>
+                    <a:p>
+                      <a:pPr indent="0" lvl="0" marL="0" marR="0" rtl="0" algn="ctr">
+                        <a:lnSpc>
+                          <a:spcPct val="100000"/>
+                        </a:lnSpc>
+                        <a:spcBef>
+                          <a:spcPts val="0"/>
+                        </a:spcBef>
+                        <a:spcAft>
+                          <a:spcPts val="0"/>
+                        </a:spcAft>
+                        <a:buNone/>
+                      </a:pPr>
+                      <a:r>
+                        <a:t/>
+                      </a:r>
+                      <a:endParaRPr sz="1200" u="none" cap="none" strike="noStrike"/>
+                    </a:p>
+                  </a:txBody>
+                  <a:tcPr marT="45725" marB="45725" marR="91450" marL="91450" anchor="ctr">
+                    <a:lnL cap="flat" cmpd="sng" w="12700">
+                      <a:solidFill>
+                        <a:srgbClr val="000000"/>
+                      </a:solidFill>
+                      <a:prstDash val="solid"/>
+                      <a:round/>
+                      <a:headEnd len="sm" w="sm" type="none"/>
+                      <a:tailEnd len="sm" w="sm" type="none"/>
+                    </a:lnL>
+                    <a:lnR cap="flat" cmpd="sng" w="12700">
+                      <a:solidFill>
+                        <a:srgbClr val="000000"/>
+                      </a:solidFill>
+                      <a:prstDash val="solid"/>
+                      <a:round/>
+                      <a:headEnd len="sm" w="sm" type="none"/>
+                      <a:tailEnd len="sm" w="sm" type="none"/>
+                    </a:lnR>
+                    <a:lnT cap="flat" cmpd="sng" w="12700">
+                      <a:solidFill>
+                        <a:srgbClr val="000000"/>
+                      </a:solidFill>
+                      <a:prstDash val="solid"/>
+                      <a:round/>
+                      <a:headEnd len="sm" w="sm" type="none"/>
+                      <a:tailEnd len="sm" w="sm" type="none"/>
+                    </a:lnT>
+                    <a:lnB cap="flat" cmpd="sng" w="12700">
+                      <a:solidFill>
+                        <a:srgbClr val="000000"/>
+                      </a:solidFill>
+                      <a:prstDash val="solid"/>
+                      <a:round/>
+                      <a:headEnd len="sm" w="sm" type="none"/>
+                      <a:tailEnd len="sm" w="sm" type="none"/>
+                    </a:lnB>
+                    <a:solidFill>
+                      <a:srgbClr val="EEFF41"/>
+                    </a:solidFill>
+                  </a:tcPr>
+                </a:tc>
+                <a:tc>
+                  <a:txBody>
+                    <a:bodyPr/>
+                    <a:lstStyle/>
+                    <a:p>
+                      <a:pPr indent="0" lvl="0" marL="0" marR="0" rtl="0" algn="ctr">
+                        <a:lnSpc>
+                          <a:spcPct val="100000"/>
+                        </a:lnSpc>
+                        <a:spcBef>
+                          <a:spcPts val="0"/>
+                        </a:spcBef>
+                        <a:spcAft>
+                          <a:spcPts val="0"/>
+                        </a:spcAft>
+                        <a:buNone/>
+                      </a:pPr>
+                      <a:r>
+                        <a:t/>
+                      </a:r>
+                      <a:endParaRPr sz="1200" u="none" cap="none" strike="noStrike"/>
+                    </a:p>
+                  </a:txBody>
+                  <a:tcPr marT="45725" marB="45725" marR="91450" marL="91450" anchor="ctr">
+                    <a:lnL cap="flat" cmpd="sng" w="12700">
+                      <a:solidFill>
+                        <a:srgbClr val="000000"/>
+                      </a:solidFill>
+                      <a:prstDash val="solid"/>
+                      <a:round/>
+                      <a:headEnd len="sm" w="sm" type="none"/>
+                      <a:tailEnd len="sm" w="sm" type="none"/>
+                    </a:lnL>
+                    <a:lnR cap="flat" cmpd="sng" w="12700">
+                      <a:solidFill>
+                        <a:srgbClr val="000000"/>
+                      </a:solidFill>
+                      <a:prstDash val="solid"/>
+                      <a:round/>
+                      <a:headEnd len="sm" w="sm" type="none"/>
+                      <a:tailEnd len="sm" w="sm" type="none"/>
+                    </a:lnR>
+                    <a:lnT cap="flat" cmpd="sng" w="12700">
+                      <a:solidFill>
+                        <a:srgbClr val="000000"/>
+                      </a:solidFill>
+                      <a:prstDash val="solid"/>
+                      <a:round/>
+                      <a:headEnd len="sm" w="sm" type="none"/>
+                      <a:tailEnd len="sm" w="sm" type="none"/>
+                    </a:lnT>
+                    <a:lnB cap="flat" cmpd="sng" w="12700">
+                      <a:solidFill>
+                        <a:srgbClr val="000000"/>
+                      </a:solidFill>
+                      <a:prstDash val="solid"/>
+                      <a:round/>
+                      <a:headEnd len="sm" w="sm" type="none"/>
+                      <a:tailEnd len="sm" w="sm" type="none"/>
+                    </a:lnB>
+                    <a:solidFill>
+                      <a:srgbClr val="EEFF41"/>
+                    </a:solidFill>
+                  </a:tcPr>
+                </a:tc>
+                <a:tc>
+                  <a:txBody>
+                    <a:bodyPr/>
+                    <a:lstStyle/>
+                    <a:p>
+                      <a:pPr indent="0" lvl="0" marL="0" marR="0" rtl="0" algn="ctr">
+                        <a:lnSpc>
+                          <a:spcPct val="100000"/>
+                        </a:lnSpc>
+                        <a:spcBef>
+                          <a:spcPts val="0"/>
+                        </a:spcBef>
+                        <a:spcAft>
+                          <a:spcPts val="0"/>
+                        </a:spcAft>
+                        <a:buNone/>
+                      </a:pPr>
+                      <a:r>
+                        <a:t/>
+                      </a:r>
+                      <a:endParaRPr sz="1200" u="none" cap="none" strike="noStrike"/>
+                    </a:p>
+                  </a:txBody>
+                  <a:tcPr marT="45725" marB="45725" marR="91450" marL="91450" anchor="ctr">
+                    <a:lnL cap="flat" cmpd="sng" w="12700">
+                      <a:solidFill>
+                        <a:srgbClr val="000000"/>
+                      </a:solidFill>
+                      <a:prstDash val="solid"/>
+                      <a:round/>
+                      <a:headEnd len="sm" w="sm" type="none"/>
+                      <a:tailEnd len="sm" w="sm" type="none"/>
+                    </a:lnL>
+                    <a:lnR cap="flat" cmpd="sng" w="12700">
+                      <a:solidFill>
+                        <a:srgbClr val="000000"/>
+                      </a:solidFill>
+                      <a:prstDash val="solid"/>
+                      <a:round/>
+                      <a:headEnd len="sm" w="sm" type="none"/>
+                      <a:tailEnd len="sm" w="sm" type="none"/>
+                    </a:lnR>
+                    <a:lnT cap="flat" cmpd="sng" w="12700">
+                      <a:solidFill>
+                        <a:srgbClr val="000000"/>
+                      </a:solidFill>
+                      <a:prstDash val="solid"/>
+                      <a:round/>
+                      <a:headEnd len="sm" w="sm" type="none"/>
+                      <a:tailEnd len="sm" w="sm" type="none"/>
+                    </a:lnT>
+                    <a:lnB cap="flat" cmpd="sng" w="12700">
+                      <a:solidFill>
+                        <a:srgbClr val="000000"/>
+                      </a:solidFill>
+                      <a:prstDash val="solid"/>
+                      <a:round/>
+                      <a:headEnd len="sm" w="sm" type="none"/>
+                      <a:tailEnd len="sm" w="sm" type="none"/>
+                    </a:lnB>
+                    <a:solidFill>
+                      <a:srgbClr val="EEFF41"/>
+                    </a:solidFill>
+                  </a:tcPr>
+                </a:tc>
+                <a:tc>
+                  <a:txBody>
+                    <a:bodyPr/>
+                    <a:lstStyle/>
+                    <a:p>
+                      <a:pPr indent="0" lvl="0" marL="0" marR="0" rtl="0" algn="ctr">
+                        <a:lnSpc>
+                          <a:spcPct val="100000"/>
+                        </a:lnSpc>
+                        <a:spcBef>
+                          <a:spcPts val="0"/>
+                        </a:spcBef>
+                        <a:spcAft>
+                          <a:spcPts val="0"/>
+                        </a:spcAft>
+                        <a:buNone/>
+                      </a:pPr>
+                      <a:r>
+                        <a:t/>
+                      </a:r>
+                      <a:endParaRPr sz="1200" u="none" cap="none" strike="noStrike"/>
+                    </a:p>
+                  </a:txBody>
+                  <a:tcPr marT="45725" marB="45725" marR="91450" marL="91450" anchor="ctr">
+                    <a:lnL cap="flat" cmpd="sng" w="12700">
+                      <a:solidFill>
+                        <a:srgbClr val="000000"/>
+                      </a:solidFill>
+                      <a:prstDash val="solid"/>
+                      <a:round/>
+                      <a:headEnd len="sm" w="sm" type="none"/>
+                      <a:tailEnd len="sm" w="sm" type="none"/>
+                    </a:lnL>
+                    <a:lnR cap="flat" cmpd="sng" w="12700">
+                      <a:solidFill>
+                        <a:srgbClr val="000000"/>
+                      </a:solidFill>
+                      <a:prstDash val="solid"/>
+                      <a:round/>
+                      <a:headEnd len="sm" w="sm" type="none"/>
+                      <a:tailEnd len="sm" w="sm" type="none"/>
+                    </a:lnR>
+                    <a:lnT cap="flat" cmpd="sng" w="12700">
+                      <a:solidFill>
+                        <a:srgbClr val="000000"/>
+                      </a:solidFill>
+                      <a:prstDash val="solid"/>
+                      <a:round/>
+                      <a:headEnd len="sm" w="sm" type="none"/>
+                      <a:tailEnd len="sm" w="sm" type="none"/>
+                    </a:lnT>
+                    <a:lnB cap="flat" cmpd="sng" w="12700">
+                      <a:solidFill>
+                        <a:srgbClr val="000000"/>
+                      </a:solidFill>
+                      <a:prstDash val="solid"/>
+                      <a:round/>
+                      <a:headEnd len="sm" w="sm" type="none"/>
+                      <a:tailEnd len="sm" w="sm" type="none"/>
+                    </a:lnB>
+                    <a:solidFill>
+                      <a:schemeClr val="lt1"/>
+                    </a:solidFill>
+                  </a:tcPr>
+                </a:tc>
+                <a:tc>
+                  <a:txBody>
+                    <a:bodyPr/>
+                    <a:lstStyle/>
+                    <a:p>
+                      <a:pPr indent="0" lvl="0" marL="0" marR="0" rtl="0" algn="ctr">
+                        <a:lnSpc>
+                          <a:spcPct val="100000"/>
+                        </a:lnSpc>
+                        <a:spcBef>
+                          <a:spcPts val="0"/>
+                        </a:spcBef>
+                        <a:spcAft>
+                          <a:spcPts val="0"/>
+                        </a:spcAft>
+                        <a:buNone/>
+                      </a:pPr>
+                      <a:r>
+                        <a:t/>
+                      </a:r>
+                      <a:endParaRPr sz="1200" u="none" cap="none" strike="noStrike"/>
+                    </a:p>
+                  </a:txBody>
+                  <a:tcPr marT="45725" marB="45725" marR="91450" marL="91450" anchor="ctr">
+                    <a:lnL cap="flat" cmpd="sng" w="12700">
+                      <a:solidFill>
+                        <a:srgbClr val="000000"/>
+                      </a:solidFill>
+                      <a:prstDash val="solid"/>
+                      <a:round/>
+                      <a:headEnd len="sm" w="sm" type="none"/>
+                      <a:tailEnd len="sm" w="sm" type="none"/>
+                    </a:lnL>
+                    <a:solidFill>
+                      <a:schemeClr val="lt1"/>
+                    </a:solidFill>
+                  </a:tcPr>
+                </a:tc>
+              </a:tr>
+              <a:tr h="336675">
+                <a:tc>
+                  <a:txBody>
+                    <a:bodyPr/>
+                    <a:lstStyle/>
+                    <a:p>
+                      <a:pPr indent="0" lvl="0" marL="0" marR="0" rtl="0" algn="l">
+                        <a:lnSpc>
+                          <a:spcPct val="100000"/>
+                        </a:lnSpc>
+                        <a:spcBef>
+                          <a:spcPts val="0"/>
+                        </a:spcBef>
+                        <a:spcAft>
+                          <a:spcPts val="0"/>
+                        </a:spcAft>
+                        <a:buNone/>
+                      </a:pPr>
+                      <a:r>
+                        <a:rPr lang="en" sz="900"/>
+                        <a:t>Testing</a:t>
+                      </a:r>
+                      <a:endParaRPr sz="900"/>
+                    </a:p>
+                  </a:txBody>
+                  <a:tcPr marT="45725" marB="45725" marR="91450" marL="91450" anchor="ctr"/>
+                </a:tc>
+                <a:tc>
+                  <a:txBody>
+                    <a:bodyPr/>
+                    <a:lstStyle/>
+                    <a:p>
+                      <a:pPr indent="0" lvl="0" marL="0" marR="0" rtl="0" algn="ctr">
+                        <a:lnSpc>
+                          <a:spcPct val="100000"/>
+                        </a:lnSpc>
+                        <a:spcBef>
+                          <a:spcPts val="0"/>
+                        </a:spcBef>
+                        <a:spcAft>
+                          <a:spcPts val="0"/>
+                        </a:spcAft>
+                        <a:buNone/>
+                      </a:pPr>
+                      <a:r>
+                        <a:t/>
+                      </a:r>
+                      <a:endParaRPr sz="1200" u="none" cap="none" strike="noStrike"/>
+                    </a:p>
+                  </a:txBody>
+                  <a:tcPr marT="45725" marB="45725" marR="91450" marL="91450" anchor="ctr"/>
+                </a:tc>
+                <a:tc>
+                  <a:txBody>
+                    <a:bodyPr/>
+                    <a:lstStyle/>
+                    <a:p>
+                      <a:pPr indent="0" lvl="0" marL="0" marR="0" rtl="0" algn="ctr">
+                        <a:lnSpc>
+                          <a:spcPct val="100000"/>
+                        </a:lnSpc>
+                        <a:spcBef>
+                          <a:spcPts val="0"/>
+                        </a:spcBef>
+                        <a:spcAft>
+                          <a:spcPts val="0"/>
+                        </a:spcAft>
+                        <a:buNone/>
+                      </a:pPr>
+                      <a:r>
+                        <a:t/>
+                      </a:r>
+                      <a:endParaRPr sz="1200" u="none" cap="none" strike="noStrike"/>
+                    </a:p>
+                  </a:txBody>
+                  <a:tcPr marT="45725" marB="45725" marR="91450" marL="91450" anchor="ctr"/>
+                </a:tc>
+                <a:tc>
+                  <a:txBody>
+                    <a:bodyPr/>
+                    <a:lstStyle/>
+                    <a:p>
+                      <a:pPr indent="0" lvl="0" marL="0" marR="0" rtl="0" algn="ctr">
+                        <a:lnSpc>
+                          <a:spcPct val="100000"/>
+                        </a:lnSpc>
+                        <a:spcBef>
+                          <a:spcPts val="0"/>
+                        </a:spcBef>
+                        <a:spcAft>
+                          <a:spcPts val="0"/>
+                        </a:spcAft>
+                        <a:buNone/>
+                      </a:pPr>
+                      <a:r>
+                        <a:t/>
+                      </a:r>
+                      <a:endParaRPr sz="1200" u="none" cap="none" strike="noStrike"/>
+                    </a:p>
+                  </a:txBody>
+                  <a:tcPr marT="45725" marB="45725" marR="91450" marL="91450" anchor="ctr"/>
+                </a:tc>
+                <a:tc>
+                  <a:txBody>
+                    <a:bodyPr/>
+                    <a:lstStyle/>
+                    <a:p>
+                      <a:pPr indent="0" lvl="0" marL="0" marR="0" rtl="0" algn="ctr">
+                        <a:lnSpc>
+                          <a:spcPct val="100000"/>
+                        </a:lnSpc>
+                        <a:spcBef>
+                          <a:spcPts val="0"/>
+                        </a:spcBef>
+                        <a:spcAft>
+                          <a:spcPts val="0"/>
+                        </a:spcAft>
+                        <a:buNone/>
+                      </a:pPr>
+                      <a:r>
+                        <a:t/>
+                      </a:r>
+                      <a:endParaRPr sz="1200" u="none" cap="none" strike="noStrike"/>
+                    </a:p>
+                  </a:txBody>
+                  <a:tcPr marT="45725" marB="45725" marR="91450" marL="91450" anchor="ctr"/>
+                </a:tc>
+                <a:tc>
+                  <a:txBody>
+                    <a:bodyPr/>
+                    <a:lstStyle/>
+                    <a:p>
+                      <a:pPr indent="0" lvl="0" marL="0" marR="0" rtl="0" algn="ctr">
+                        <a:lnSpc>
+                          <a:spcPct val="100000"/>
+                        </a:lnSpc>
+                        <a:spcBef>
+                          <a:spcPts val="0"/>
+                        </a:spcBef>
+                        <a:spcAft>
+                          <a:spcPts val="0"/>
+                        </a:spcAft>
+                        <a:buNone/>
+                      </a:pPr>
+                      <a:r>
+                        <a:t/>
+                      </a:r>
+                      <a:endParaRPr sz="1200" u="none" cap="none" strike="noStrike"/>
+                    </a:p>
+                  </a:txBody>
+                  <a:tcPr marT="45725" marB="45725" marR="91450" marL="91450" anchor="ctr"/>
+                </a:tc>
+                <a:tc>
+                  <a:txBody>
+                    <a:bodyPr/>
+                    <a:lstStyle/>
+                    <a:p>
+                      <a:pPr indent="0" lvl="0" marL="0" marR="0" rtl="0" algn="ctr">
+                        <a:lnSpc>
+                          <a:spcPct val="100000"/>
+                        </a:lnSpc>
+                        <a:spcBef>
+                          <a:spcPts val="0"/>
+                        </a:spcBef>
+                        <a:spcAft>
+                          <a:spcPts val="0"/>
+                        </a:spcAft>
+                        <a:buNone/>
+                      </a:pPr>
+                      <a:r>
+                        <a:t/>
+                      </a:r>
+                      <a:endParaRPr sz="1200" u="none" cap="none" strike="noStrike"/>
+                    </a:p>
+                  </a:txBody>
+                  <a:tcPr marT="45725" marB="45725" marR="91450" marL="91450" anchor="ctr"/>
+                </a:tc>
+                <a:tc>
+                  <a:txBody>
+                    <a:bodyPr/>
+                    <a:lstStyle/>
+                    <a:p>
+                      <a:pPr indent="0" lvl="0" marL="0" marR="0" rtl="0" algn="ctr">
+                        <a:lnSpc>
+                          <a:spcPct val="100000"/>
+                        </a:lnSpc>
+                        <a:spcBef>
+                          <a:spcPts val="0"/>
+                        </a:spcBef>
+                        <a:spcAft>
+                          <a:spcPts val="0"/>
+                        </a:spcAft>
+                        <a:buNone/>
+                      </a:pPr>
+                      <a:r>
+                        <a:t/>
+                      </a:r>
+                      <a:endParaRPr sz="1200" u="none" cap="none" strike="noStrike"/>
+                    </a:p>
+                  </a:txBody>
+                  <a:tcPr marT="45725" marB="45725" marR="91450" marL="91450" anchor="ctr">
+                    <a:solidFill>
+                      <a:srgbClr val="FFFFFF"/>
+                    </a:solidFill>
+                  </a:tcPr>
+                </a:tc>
+                <a:tc>
+                  <a:txBody>
+                    <a:bodyPr/>
+                    <a:lstStyle/>
+                    <a:p>
+                      <a:pPr indent="0" lvl="0" marL="0" marR="0" rtl="0" algn="ctr">
+                        <a:lnSpc>
+                          <a:spcPct val="100000"/>
+                        </a:lnSpc>
+                        <a:spcBef>
+                          <a:spcPts val="0"/>
+                        </a:spcBef>
+                        <a:spcAft>
+                          <a:spcPts val="0"/>
+                        </a:spcAft>
+                        <a:buNone/>
+                      </a:pPr>
+                      <a:r>
+                        <a:t/>
+                      </a:r>
+                      <a:endParaRPr sz="1200" u="none" cap="none" strike="noStrike"/>
+                    </a:p>
+                  </a:txBody>
+                  <a:tcPr marT="45725" marB="45725" marR="91450" marL="91450" anchor="ctr">
+                    <a:solidFill>
+                      <a:srgbClr val="FFFFFF"/>
+                    </a:solidFill>
+                  </a:tcPr>
+                </a:tc>
+                <a:tc>
+                  <a:txBody>
+                    <a:bodyPr/>
+                    <a:lstStyle/>
+                    <a:p>
+                      <a:pPr indent="0" lvl="0" marL="0" marR="0" rtl="0" algn="ctr">
+                        <a:lnSpc>
+                          <a:spcPct val="100000"/>
+                        </a:lnSpc>
+                        <a:spcBef>
+                          <a:spcPts val="0"/>
+                        </a:spcBef>
+                        <a:spcAft>
+                          <a:spcPts val="0"/>
+                        </a:spcAft>
+                        <a:buNone/>
+                      </a:pPr>
+                      <a:r>
+                        <a:t/>
+                      </a:r>
+                      <a:endParaRPr sz="1200" u="none" cap="none" strike="noStrike"/>
+                    </a:p>
+                  </a:txBody>
+                  <a:tcPr marT="45725" marB="45725" marR="91450" marL="91450" anchor="ctr">
+                    <a:solidFill>
+                      <a:srgbClr val="FFFFFF"/>
+                    </a:solidFill>
+                  </a:tcPr>
+                </a:tc>
+                <a:tc>
+                  <a:txBody>
+                    <a:bodyPr/>
+                    <a:lstStyle/>
+                    <a:p>
+                      <a:pPr indent="0" lvl="0" marL="0" marR="0" rtl="0" algn="ctr">
+                        <a:lnSpc>
+                          <a:spcPct val="100000"/>
+                        </a:lnSpc>
+                        <a:spcBef>
+                          <a:spcPts val="0"/>
+                        </a:spcBef>
+                        <a:spcAft>
+                          <a:spcPts val="0"/>
+                        </a:spcAft>
+                        <a:buNone/>
+                      </a:pPr>
+                      <a:r>
+                        <a:t/>
+                      </a:r>
+                      <a:endParaRPr sz="1200" u="none" cap="none" strike="noStrike"/>
+                    </a:p>
+                  </a:txBody>
+                  <a:tcPr marT="45725" marB="45725" marR="91450" marL="91450" anchor="ctr">
+                    <a:solidFill>
+                      <a:srgbClr val="FFFFFF"/>
+                    </a:solidFill>
+                  </a:tcPr>
+                </a:tc>
+                <a:tc>
+                  <a:txBody>
+                    <a:bodyPr/>
+                    <a:lstStyle/>
+                    <a:p>
+                      <a:pPr indent="0" lvl="0" marL="0" marR="0" rtl="0" algn="ctr">
+                        <a:lnSpc>
+                          <a:spcPct val="100000"/>
+                        </a:lnSpc>
+                        <a:spcBef>
+                          <a:spcPts val="0"/>
+                        </a:spcBef>
+                        <a:spcAft>
+                          <a:spcPts val="0"/>
+                        </a:spcAft>
+                        <a:buNone/>
+                      </a:pPr>
+                      <a:r>
+                        <a:t/>
+                      </a:r>
+                      <a:endParaRPr sz="1200" u="none" cap="none" strike="noStrike"/>
+                    </a:p>
+                  </a:txBody>
+                  <a:tcPr marT="45725" marB="45725" marR="91450" marL="91450" anchor="ctr">
+                    <a:lnT cap="flat" cmpd="sng" w="12700">
+                      <a:solidFill>
+                        <a:srgbClr val="000000"/>
+                      </a:solidFill>
+                      <a:prstDash val="solid"/>
+                      <a:round/>
+                      <a:headEnd len="sm" w="sm" type="none"/>
+                      <a:tailEnd len="sm" w="sm" type="none"/>
+                    </a:lnT>
+                    <a:solidFill>
+                      <a:srgbClr val="FFFFFF"/>
+                    </a:solidFill>
+                  </a:tcPr>
+                </a:tc>
+                <a:tc>
+                  <a:txBody>
+                    <a:bodyPr/>
+                    <a:lstStyle/>
+                    <a:p>
+                      <a:pPr indent="0" lvl="0" marL="0" marR="0" rtl="0" algn="ctr">
+                        <a:lnSpc>
+                          <a:spcPct val="100000"/>
+                        </a:lnSpc>
+                        <a:spcBef>
+                          <a:spcPts val="0"/>
+                        </a:spcBef>
+                        <a:spcAft>
+                          <a:spcPts val="0"/>
+                        </a:spcAft>
+                        <a:buNone/>
+                      </a:pPr>
+                      <a:r>
+                        <a:t/>
+                      </a:r>
+                      <a:endParaRPr sz="1200" u="none" cap="none" strike="noStrike"/>
+                    </a:p>
+                  </a:txBody>
+                  <a:tcPr marT="45725" marB="45725" marR="91450" marL="91450" anchor="ctr">
+                    <a:lnT cap="flat" cmpd="sng" w="12700">
+                      <a:solidFill>
+                        <a:srgbClr val="000000"/>
+                      </a:solidFill>
+                      <a:prstDash val="solid"/>
+                      <a:round/>
+                      <a:headEnd len="sm" w="sm" type="none"/>
+                      <a:tailEnd len="sm" w="sm" type="none"/>
+                    </a:lnT>
+                    <a:solidFill>
+                      <a:schemeClr val="lt1"/>
+                    </a:solidFill>
+                  </a:tcPr>
+                </a:tc>
+                <a:tc>
+                  <a:txBody>
+                    <a:bodyPr/>
+                    <a:lstStyle/>
+                    <a:p>
+                      <a:pPr indent="0" lvl="0" marL="0" marR="0" rtl="0" algn="ctr">
+                        <a:lnSpc>
+                          <a:spcPct val="100000"/>
+                        </a:lnSpc>
+                        <a:spcBef>
+                          <a:spcPts val="0"/>
+                        </a:spcBef>
+                        <a:spcAft>
+                          <a:spcPts val="0"/>
+                        </a:spcAft>
+                        <a:buNone/>
+                      </a:pPr>
+                      <a:r>
+                        <a:t/>
+                      </a:r>
+                      <a:endParaRPr sz="1200" u="none" cap="none" strike="noStrike"/>
+                    </a:p>
+                  </a:txBody>
+                  <a:tcPr marT="45725" marB="45725" marR="91450" marL="91450" anchor="ctr">
+                    <a:lnT cap="flat" cmpd="sng" w="12700">
+                      <a:solidFill>
+                        <a:srgbClr val="000000"/>
+                      </a:solidFill>
+                      <a:prstDash val="solid"/>
+                      <a:round/>
+                      <a:headEnd len="sm" w="sm" type="none"/>
+                      <a:tailEnd len="sm" w="sm" type="none"/>
+                    </a:lnT>
+                    <a:solidFill>
+                      <a:schemeClr val="lt1"/>
+                    </a:solidFill>
+                  </a:tcPr>
+                </a:tc>
+                <a:tc>
+                  <a:txBody>
+                    <a:bodyPr/>
+                    <a:lstStyle/>
+                    <a:p>
+                      <a:pPr indent="0" lvl="0" marL="0" marR="0" rtl="0" algn="ctr">
+                        <a:lnSpc>
+                          <a:spcPct val="100000"/>
+                        </a:lnSpc>
+                        <a:spcBef>
+                          <a:spcPts val="0"/>
+                        </a:spcBef>
+                        <a:spcAft>
+                          <a:spcPts val="0"/>
+                        </a:spcAft>
+                        <a:buNone/>
+                      </a:pPr>
+                      <a:r>
+                        <a:t/>
+                      </a:r>
+                      <a:endParaRPr sz="1200" u="none" cap="none" strike="noStrike"/>
+                    </a:p>
+                  </a:txBody>
+                  <a:tcPr marT="45725" marB="45725" marR="91450" marL="91450" anchor="ctr">
+                    <a:lnT cap="flat" cmpd="sng" w="12700">
+                      <a:solidFill>
+                        <a:srgbClr val="000000"/>
+                      </a:solidFill>
+                      <a:prstDash val="solid"/>
+                      <a:round/>
+                      <a:headEnd len="sm" w="sm" type="none"/>
+                      <a:tailEnd len="sm" w="sm" type="none"/>
+                    </a:lnT>
+                    <a:solidFill>
+                      <a:schemeClr val="lt1"/>
+                    </a:solidFill>
+                  </a:tcPr>
+                </a:tc>
+                <a:tc>
+                  <a:txBody>
+                    <a:bodyPr/>
+                    <a:lstStyle/>
+                    <a:p>
+                      <a:pPr indent="0" lvl="0" marL="0" marR="0" rtl="0" algn="ctr">
+                        <a:lnSpc>
+                          <a:spcPct val="100000"/>
+                        </a:lnSpc>
+                        <a:spcBef>
+                          <a:spcPts val="0"/>
+                        </a:spcBef>
+                        <a:spcAft>
+                          <a:spcPts val="0"/>
+                        </a:spcAft>
+                        <a:buNone/>
+                      </a:pPr>
+                      <a:r>
+                        <a:t/>
+                      </a:r>
+                      <a:endParaRPr sz="1200" u="none" cap="none" strike="noStrike"/>
+                    </a:p>
+                  </a:txBody>
+                  <a:tcPr marT="45725" marB="45725" marR="91450" marL="91450" anchor="ctr">
+                    <a:lnT cap="flat" cmpd="sng" w="12700">
+                      <a:solidFill>
+                        <a:srgbClr val="000000"/>
+                      </a:solidFill>
+                      <a:prstDash val="solid"/>
+                      <a:round/>
+                      <a:headEnd len="sm" w="sm" type="none"/>
+                      <a:tailEnd len="sm" w="sm" type="none"/>
+                    </a:lnT>
+                    <a:solidFill>
+                      <a:srgbClr val="B6D7A8"/>
+                    </a:solidFill>
+                  </a:tcPr>
+                </a:tc>
+                <a:tc>
+                  <a:txBody>
+                    <a:bodyPr/>
+                    <a:lstStyle/>
+                    <a:p>
+                      <a:pPr indent="0" lvl="0" marL="0" marR="0" rtl="0" algn="ctr">
+                        <a:lnSpc>
+                          <a:spcPct val="100000"/>
+                        </a:lnSpc>
+                        <a:spcBef>
+                          <a:spcPts val="0"/>
+                        </a:spcBef>
+                        <a:spcAft>
+                          <a:spcPts val="0"/>
+                        </a:spcAft>
+                        <a:buNone/>
+                      </a:pPr>
+                      <a:r>
+                        <a:t/>
+                      </a:r>
+                      <a:endParaRPr sz="1200" u="none" cap="none" strike="noStrike"/>
+                    </a:p>
+                  </a:txBody>
+                  <a:tcPr marT="45725" marB="45725" marR="91450" marL="91450" anchor="ctr">
+                    <a:solidFill>
+                      <a:srgbClr val="B6D7A8"/>
+                    </a:solidFill>
+                  </a:tcPr>
+                </a:tc>
+              </a:tr>
+              <a:tr h="336675">
+                <a:tc>
+                  <a:txBody>
+                    <a:bodyPr/>
+                    <a:lstStyle/>
+                    <a:p>
+                      <a:pPr indent="0" lvl="0" marL="0" marR="0" rtl="0" algn="l">
+                        <a:lnSpc>
+                          <a:spcPct val="100000"/>
+                        </a:lnSpc>
+                        <a:spcBef>
+                          <a:spcPts val="0"/>
+                        </a:spcBef>
+                        <a:spcAft>
+                          <a:spcPts val="0"/>
+                        </a:spcAft>
+                        <a:buNone/>
+                      </a:pPr>
+                      <a:r>
+                        <a:rPr lang="en" sz="900" u="none" cap="none" strike="noStrike"/>
+                        <a:t>Penulisan Laporan Akhir</a:t>
+                      </a:r>
+                      <a:endParaRPr sz="900" u="none" cap="none" strike="noStrike"/>
+                    </a:p>
+                  </a:txBody>
+                  <a:tcPr marT="45725" marB="45725" marR="91450" marL="91450" anchor="ctr"/>
+                </a:tc>
+                <a:tc>
+                  <a:txBody>
+                    <a:bodyPr/>
+                    <a:lstStyle/>
+                    <a:p>
+                      <a:pPr indent="0" lvl="0" marL="0" marR="0" rtl="0" algn="ctr">
+                        <a:lnSpc>
+                          <a:spcPct val="100000"/>
+                        </a:lnSpc>
+                        <a:spcBef>
+                          <a:spcPts val="0"/>
+                        </a:spcBef>
+                        <a:spcAft>
+                          <a:spcPts val="0"/>
+                        </a:spcAft>
+                        <a:buNone/>
+                      </a:pPr>
+                      <a:r>
+                        <a:t/>
+                      </a:r>
+                      <a:endParaRPr sz="1200" u="none" cap="none" strike="noStrike"/>
+                    </a:p>
+                  </a:txBody>
+                  <a:tcPr marT="45725" marB="45725" marR="91450" marL="91450" anchor="ctr">
+                    <a:solidFill>
+                      <a:srgbClr val="7030A0"/>
+                    </a:solidFill>
+                  </a:tcPr>
+                </a:tc>
+                <a:tc>
+                  <a:txBody>
+                    <a:bodyPr/>
+                    <a:lstStyle/>
+                    <a:p>
+                      <a:pPr indent="0" lvl="0" marL="0" marR="0" rtl="0" algn="ctr">
+                        <a:lnSpc>
+                          <a:spcPct val="100000"/>
+                        </a:lnSpc>
+                        <a:spcBef>
+                          <a:spcPts val="0"/>
+                        </a:spcBef>
+                        <a:spcAft>
+                          <a:spcPts val="0"/>
+                        </a:spcAft>
+                        <a:buNone/>
+                      </a:pPr>
+                      <a:r>
+                        <a:t/>
+                      </a:r>
+                      <a:endParaRPr sz="1200" u="none" cap="none" strike="noStrike"/>
+                    </a:p>
+                  </a:txBody>
+                  <a:tcPr marT="45725" marB="45725" marR="91450" marL="91450" anchor="ctr">
+                    <a:solidFill>
+                      <a:srgbClr val="7030A0"/>
+                    </a:solidFill>
+                  </a:tcPr>
+                </a:tc>
+                <a:tc>
+                  <a:txBody>
+                    <a:bodyPr/>
+                    <a:lstStyle/>
+                    <a:p>
+                      <a:pPr indent="0" lvl="0" marL="0" marR="0" rtl="0" algn="ctr">
+                        <a:lnSpc>
+                          <a:spcPct val="100000"/>
+                        </a:lnSpc>
+                        <a:spcBef>
+                          <a:spcPts val="0"/>
+                        </a:spcBef>
+                        <a:spcAft>
+                          <a:spcPts val="0"/>
+                        </a:spcAft>
+                        <a:buNone/>
+                      </a:pPr>
+                      <a:r>
+                        <a:t/>
+                      </a:r>
+                      <a:endParaRPr sz="1200" u="none" cap="none" strike="noStrike"/>
+                    </a:p>
+                  </a:txBody>
+                  <a:tcPr marT="45725" marB="45725" marR="91450" marL="91450" anchor="ctr">
+                    <a:solidFill>
+                      <a:srgbClr val="7030A0"/>
+                    </a:solidFill>
+                  </a:tcPr>
+                </a:tc>
+                <a:tc>
+                  <a:txBody>
+                    <a:bodyPr/>
+                    <a:lstStyle/>
+                    <a:p>
+                      <a:pPr indent="0" lvl="0" marL="0" marR="0" rtl="0" algn="ctr">
+                        <a:lnSpc>
+                          <a:spcPct val="100000"/>
+                        </a:lnSpc>
+                        <a:spcBef>
+                          <a:spcPts val="0"/>
+                        </a:spcBef>
+                        <a:spcAft>
+                          <a:spcPts val="0"/>
+                        </a:spcAft>
+                        <a:buNone/>
+                      </a:pPr>
+                      <a:r>
+                        <a:t/>
+                      </a:r>
+                      <a:endParaRPr sz="1200" u="none" cap="none" strike="noStrike"/>
+                    </a:p>
+                  </a:txBody>
+                  <a:tcPr marT="45725" marB="45725" marR="91450" marL="91450" anchor="ctr">
+                    <a:solidFill>
+                      <a:srgbClr val="7030A0"/>
+                    </a:solidFill>
+                  </a:tcPr>
+                </a:tc>
+                <a:tc>
+                  <a:txBody>
+                    <a:bodyPr/>
+                    <a:lstStyle/>
+                    <a:p>
+                      <a:pPr indent="0" lvl="0" marL="0" marR="0" rtl="0" algn="ctr">
+                        <a:lnSpc>
+                          <a:spcPct val="100000"/>
+                        </a:lnSpc>
+                        <a:spcBef>
+                          <a:spcPts val="0"/>
+                        </a:spcBef>
+                        <a:spcAft>
+                          <a:spcPts val="0"/>
+                        </a:spcAft>
+                        <a:buNone/>
+                      </a:pPr>
+                      <a:r>
+                        <a:t/>
+                      </a:r>
+                      <a:endParaRPr sz="1200" u="none" cap="none" strike="noStrike"/>
+                    </a:p>
+                  </a:txBody>
+                  <a:tcPr marT="45725" marB="45725" marR="91450" marL="91450" anchor="ctr">
+                    <a:solidFill>
+                      <a:srgbClr val="7030A0"/>
+                    </a:solidFill>
+                  </a:tcPr>
+                </a:tc>
+                <a:tc>
+                  <a:txBody>
+                    <a:bodyPr/>
+                    <a:lstStyle/>
+                    <a:p>
+                      <a:pPr indent="0" lvl="0" marL="0" marR="0" rtl="0" algn="ctr">
+                        <a:lnSpc>
+                          <a:spcPct val="100000"/>
+                        </a:lnSpc>
+                        <a:spcBef>
+                          <a:spcPts val="0"/>
+                        </a:spcBef>
+                        <a:spcAft>
+                          <a:spcPts val="0"/>
+                        </a:spcAft>
+                        <a:buNone/>
+                      </a:pPr>
+                      <a:r>
+                        <a:t/>
+                      </a:r>
+                      <a:endParaRPr sz="1200" u="none" cap="none" strike="noStrike"/>
+                    </a:p>
+                  </a:txBody>
+                  <a:tcPr marT="45725" marB="45725" marR="91450" marL="91450" anchor="ctr">
+                    <a:solidFill>
+                      <a:srgbClr val="7030A0"/>
+                    </a:solidFill>
+                  </a:tcPr>
+                </a:tc>
+                <a:tc>
+                  <a:txBody>
+                    <a:bodyPr/>
+                    <a:lstStyle/>
+                    <a:p>
+                      <a:pPr indent="0" lvl="0" marL="0" marR="0" rtl="0" algn="ctr">
+                        <a:lnSpc>
+                          <a:spcPct val="100000"/>
+                        </a:lnSpc>
+                        <a:spcBef>
+                          <a:spcPts val="0"/>
+                        </a:spcBef>
+                        <a:spcAft>
+                          <a:spcPts val="0"/>
+                        </a:spcAft>
+                        <a:buNone/>
+                      </a:pPr>
+                      <a:r>
+                        <a:t/>
+                      </a:r>
+                      <a:endParaRPr sz="1200" u="none" cap="none" strike="noStrike"/>
+                    </a:p>
+                  </a:txBody>
+                  <a:tcPr marT="45725" marB="45725" marR="91450" marL="91450" anchor="ctr">
+                    <a:solidFill>
+                      <a:srgbClr val="7030A0"/>
+                    </a:solidFill>
+                  </a:tcPr>
+                </a:tc>
+                <a:tc>
+                  <a:txBody>
+                    <a:bodyPr/>
+                    <a:lstStyle/>
+                    <a:p>
+                      <a:pPr indent="0" lvl="0" marL="0" marR="0" rtl="0" algn="ctr">
+                        <a:lnSpc>
+                          <a:spcPct val="100000"/>
+                        </a:lnSpc>
+                        <a:spcBef>
+                          <a:spcPts val="0"/>
+                        </a:spcBef>
+                        <a:spcAft>
+                          <a:spcPts val="0"/>
+                        </a:spcAft>
+                        <a:buNone/>
+                      </a:pPr>
+                      <a:r>
+                        <a:t/>
+                      </a:r>
+                      <a:endParaRPr sz="1200" u="none" cap="none" strike="noStrike"/>
+                    </a:p>
+                  </a:txBody>
+                  <a:tcPr marT="45725" marB="45725" marR="91450" marL="91450" anchor="ctr">
+                    <a:solidFill>
+                      <a:srgbClr val="7030A0"/>
+                    </a:solidFill>
+                  </a:tcPr>
+                </a:tc>
+                <a:tc>
+                  <a:txBody>
+                    <a:bodyPr/>
+                    <a:lstStyle/>
+                    <a:p>
+                      <a:pPr indent="0" lvl="0" marL="0" marR="0" rtl="0" algn="ctr">
+                        <a:lnSpc>
+                          <a:spcPct val="100000"/>
+                        </a:lnSpc>
+                        <a:spcBef>
+                          <a:spcPts val="0"/>
+                        </a:spcBef>
+                        <a:spcAft>
+                          <a:spcPts val="0"/>
+                        </a:spcAft>
+                        <a:buNone/>
+                      </a:pPr>
+                      <a:r>
+                        <a:t/>
+                      </a:r>
+                      <a:endParaRPr sz="1200" u="none" cap="none" strike="noStrike"/>
+                    </a:p>
+                  </a:txBody>
+                  <a:tcPr marT="45725" marB="45725" marR="91450" marL="91450" anchor="ctr">
+                    <a:solidFill>
+                      <a:srgbClr val="7030A0"/>
+                    </a:solidFill>
+                  </a:tcPr>
+                </a:tc>
+                <a:tc>
+                  <a:txBody>
+                    <a:bodyPr/>
+                    <a:lstStyle/>
+                    <a:p>
+                      <a:pPr indent="0" lvl="0" marL="0" marR="0" rtl="0" algn="ctr">
+                        <a:lnSpc>
+                          <a:spcPct val="100000"/>
+                        </a:lnSpc>
+                        <a:spcBef>
+                          <a:spcPts val="0"/>
+                        </a:spcBef>
+                        <a:spcAft>
+                          <a:spcPts val="0"/>
+                        </a:spcAft>
+                        <a:buNone/>
+                      </a:pPr>
+                      <a:r>
+                        <a:t/>
+                      </a:r>
+                      <a:endParaRPr sz="1200" u="none" cap="none" strike="noStrike"/>
+                    </a:p>
+                  </a:txBody>
+                  <a:tcPr marT="45725" marB="45725" marR="91450" marL="91450" anchor="ctr">
+                    <a:solidFill>
+                      <a:srgbClr val="7030A0"/>
+                    </a:solidFill>
+                  </a:tcPr>
+                </a:tc>
+                <a:tc>
+                  <a:txBody>
+                    <a:bodyPr/>
+                    <a:lstStyle/>
+                    <a:p>
+                      <a:pPr indent="0" lvl="0" marL="0" marR="0" rtl="0" algn="ctr">
+                        <a:lnSpc>
+                          <a:spcPct val="100000"/>
+                        </a:lnSpc>
+                        <a:spcBef>
+                          <a:spcPts val="0"/>
+                        </a:spcBef>
+                        <a:spcAft>
+                          <a:spcPts val="0"/>
+                        </a:spcAft>
+                        <a:buNone/>
+                      </a:pPr>
+                      <a:r>
+                        <a:t/>
+                      </a:r>
+                      <a:endParaRPr sz="1200" u="none" cap="none" strike="noStrike"/>
+                    </a:p>
+                  </a:txBody>
+                  <a:tcPr marT="45725" marB="45725" marR="91450" marL="91450" anchor="ctr">
+                    <a:solidFill>
+                      <a:srgbClr val="7030A0"/>
+                    </a:solidFill>
+                  </a:tcPr>
+                </a:tc>
+                <a:tc>
+                  <a:txBody>
+                    <a:bodyPr/>
+                    <a:lstStyle/>
+                    <a:p>
+                      <a:pPr indent="0" lvl="0" marL="0" marR="0" rtl="0" algn="ctr">
+                        <a:lnSpc>
+                          <a:spcPct val="100000"/>
+                        </a:lnSpc>
+                        <a:spcBef>
+                          <a:spcPts val="0"/>
+                        </a:spcBef>
+                        <a:spcAft>
+                          <a:spcPts val="0"/>
+                        </a:spcAft>
+                        <a:buNone/>
+                      </a:pPr>
+                      <a:r>
+                        <a:t/>
+                      </a:r>
+                      <a:endParaRPr sz="1200" u="none" cap="none" strike="noStrike"/>
+                    </a:p>
+                  </a:txBody>
+                  <a:tcPr marT="45725" marB="45725" marR="91450" marL="91450" anchor="ctr">
+                    <a:solidFill>
+                      <a:srgbClr val="7030A0"/>
+                    </a:solidFill>
+                  </a:tcPr>
+                </a:tc>
+                <a:tc>
+                  <a:txBody>
+                    <a:bodyPr/>
+                    <a:lstStyle/>
+                    <a:p>
+                      <a:pPr indent="0" lvl="0" marL="0" marR="0" rtl="0" algn="ctr">
+                        <a:lnSpc>
+                          <a:spcPct val="100000"/>
+                        </a:lnSpc>
+                        <a:spcBef>
+                          <a:spcPts val="0"/>
+                        </a:spcBef>
+                        <a:spcAft>
+                          <a:spcPts val="0"/>
+                        </a:spcAft>
+                        <a:buNone/>
+                      </a:pPr>
+                      <a:r>
+                        <a:t/>
+                      </a:r>
+                      <a:endParaRPr sz="1200" u="none" cap="none" strike="noStrike"/>
+                    </a:p>
+                  </a:txBody>
+                  <a:tcPr marT="45725" marB="45725" marR="91450" marL="91450" anchor="ctr">
+                    <a:solidFill>
+                      <a:srgbClr val="7030A0"/>
+                    </a:solidFill>
+                  </a:tcPr>
+                </a:tc>
+                <a:tc>
+                  <a:txBody>
+                    <a:bodyPr/>
+                    <a:lstStyle/>
+                    <a:p>
+                      <a:pPr indent="0" lvl="0" marL="0" marR="0" rtl="0" algn="ctr">
+                        <a:lnSpc>
+                          <a:spcPct val="100000"/>
+                        </a:lnSpc>
+                        <a:spcBef>
+                          <a:spcPts val="0"/>
+                        </a:spcBef>
+                        <a:spcAft>
+                          <a:spcPts val="0"/>
+                        </a:spcAft>
+                        <a:buNone/>
+                      </a:pPr>
+                      <a:r>
+                        <a:t/>
+                      </a:r>
+                      <a:endParaRPr sz="1200" u="none" cap="none" strike="noStrike"/>
+                    </a:p>
+                  </a:txBody>
+                  <a:tcPr marT="45725" marB="45725" marR="91450" marL="91450" anchor="ctr">
+                    <a:solidFill>
+                      <a:srgbClr val="7030A0"/>
+                    </a:solidFill>
+                  </a:tcPr>
+                </a:tc>
+                <a:tc>
+                  <a:txBody>
+                    <a:bodyPr/>
+                    <a:lstStyle/>
+                    <a:p>
+                      <a:pPr indent="0" lvl="0" marL="0" marR="0" rtl="0" algn="ctr">
+                        <a:lnSpc>
+                          <a:spcPct val="100000"/>
+                        </a:lnSpc>
+                        <a:spcBef>
+                          <a:spcPts val="0"/>
+                        </a:spcBef>
+                        <a:spcAft>
+                          <a:spcPts val="0"/>
+                        </a:spcAft>
+                        <a:buNone/>
+                      </a:pPr>
+                      <a:r>
+                        <a:t/>
+                      </a:r>
+                      <a:endParaRPr sz="1200" u="none" cap="none" strike="noStrike"/>
+                    </a:p>
+                  </a:txBody>
+                  <a:tcPr marT="45725" marB="45725" marR="91450" marL="91450" anchor="ctr">
+                    <a:solidFill>
+                      <a:srgbClr val="7030A0"/>
+                    </a:solidFill>
+                  </a:tcPr>
+                </a:tc>
+                <a:tc>
+                  <a:txBody>
+                    <a:bodyPr/>
+                    <a:lstStyle/>
+                    <a:p>
+                      <a:pPr indent="0" lvl="0" marL="0" marR="0" rtl="0" algn="ctr">
+                        <a:lnSpc>
+                          <a:spcPct val="100000"/>
+                        </a:lnSpc>
+                        <a:spcBef>
+                          <a:spcPts val="0"/>
+                        </a:spcBef>
+                        <a:spcAft>
+                          <a:spcPts val="0"/>
+                        </a:spcAft>
+                        <a:buNone/>
+                      </a:pPr>
+                      <a:r>
+                        <a:t/>
+                      </a:r>
+                      <a:endParaRPr sz="1200" u="none" cap="none" strike="noStrike"/>
+                    </a:p>
+                  </a:txBody>
+                  <a:tcPr marT="45725" marB="45725" marR="91450" marL="91450" anchor="ctr">
+                    <a:solidFill>
+                      <a:srgbClr val="7030A0"/>
+                    </a:solidFill>
+                  </a:tcPr>
+                </a:tc>
+              </a:tr>
+            </a:tbl>
+          </a:graphicData>
+        </a:graphic>
+      </p:graphicFrame>
     </p:spTree>
   </p:cSld>
   <p:clrMapOvr>
@@ -15219,7 +19481,7 @@
   <p:cSld>
     <p:spTree>
       <p:nvGrpSpPr>
-        <p:cNvPr id="135" name="Shape 135"/>
+        <p:cNvPr id="136" name="Shape 136"/>
         <p:cNvGrpSpPr/>
         <p:nvPr/>
       </p:nvGrpSpPr>
@@ -15233,7 +19495,7 @@
       </p:grpSpPr>
       <p:sp>
         <p:nvSpPr>
-          <p:cNvPr id="136" name="Google Shape;136;p31"/>
+          <p:cNvPr id="137" name="Google Shape;137;p31"/>
           <p:cNvSpPr txBox="1"/>
           <p:nvPr>
             <p:ph type="title"/>
@@ -15281,7 +19543,7 @@
       </p:sp>
       <p:sp>
         <p:nvSpPr>
-          <p:cNvPr id="137" name="Google Shape;137;p31"/>
+          <p:cNvPr id="138" name="Google Shape;138;p31"/>
           <p:cNvSpPr txBox="1"/>
           <p:nvPr>
             <p:ph idx="1" type="body"/>
@@ -15356,7 +19618,7 @@
   <p:cSld>
     <p:spTree>
       <p:nvGrpSpPr>
-        <p:cNvPr id="141" name="Shape 141"/>
+        <p:cNvPr id="142" name="Shape 142"/>
         <p:cNvGrpSpPr/>
         <p:nvPr/>
       </p:nvGrpSpPr>
@@ -15370,7 +19632,7 @@
       </p:grpSpPr>
       <p:sp>
         <p:nvSpPr>
-          <p:cNvPr id="142" name="Google Shape;142;p32"/>
+          <p:cNvPr id="143" name="Google Shape;143;p32"/>
           <p:cNvSpPr txBox="1"/>
           <p:nvPr>
             <p:ph type="title"/>
@@ -15409,7 +19671,7 @@
       </p:sp>
       <p:sp>
         <p:nvSpPr>
-          <p:cNvPr id="143" name="Google Shape;143;p32"/>
+          <p:cNvPr id="144" name="Google Shape;144;p32"/>
           <p:cNvSpPr txBox="1"/>
           <p:nvPr>
             <p:ph idx="1" type="body"/>
@@ -15469,9 +19731,9 @@
 </file>
 
 <file path=ppt/theme/theme1.xml><?xml version="1.0" encoding="utf-8"?>
-<a:theme xmlns:a="http://schemas.openxmlformats.org/drawingml/2006/main" xmlns:r="http://schemas.openxmlformats.org/officeDocument/2006/relationships">
+<a:theme xmlns:a="http://schemas.openxmlformats.org/drawingml/2006/main" xmlns:r="http://schemas.openxmlformats.org/officeDocument/2006/relationships" name="Simple Light">
   <a:themeElements>
-    <a:clrScheme name="Default">
+    <a:clrScheme name="Simple Light">
       <a:dk1>
         <a:srgbClr val="000000"/>
       </a:dk1>
@@ -15479,34 +19741,34 @@
         <a:srgbClr val="FFFFFF"/>
       </a:lt1>
       <a:dk2>
-        <a:srgbClr val="158158"/>
+        <a:srgbClr val="595959"/>
       </a:dk2>
       <a:lt2>
-        <a:srgbClr val="F3F3F3"/>
+        <a:srgbClr val="EEEEEE"/>
       </a:lt2>
       <a:accent1>
-        <a:srgbClr val="058DC7"/>
+        <a:srgbClr val="4285F4"/>
       </a:accent1>
       <a:accent2>
-        <a:srgbClr val="50B432"/>
+        <a:srgbClr val="212121"/>
       </a:accent2>
       <a:accent3>
-        <a:srgbClr val="ED561B"/>
+        <a:srgbClr val="78909C"/>
       </a:accent3>
       <a:accent4>
-        <a:srgbClr val="EDEF00"/>
+        <a:srgbClr val="FFAB40"/>
       </a:accent4>
       <a:accent5>
-        <a:srgbClr val="24CBE5"/>
+        <a:srgbClr val="0097A7"/>
       </a:accent5>
       <a:accent6>
-        <a:srgbClr val="64E572"/>
+        <a:srgbClr val="EEFF41"/>
       </a:accent6>
       <a:hlink>
-        <a:srgbClr val="2200CC"/>
+        <a:srgbClr val="0097A7"/>
       </a:hlink>
       <a:folHlink>
-        <a:srgbClr val="551A8B"/>
+        <a:srgbClr val="0097A7"/>
       </a:folHlink>
     </a:clrScheme>
     <a:fontScheme name="Office">
@@ -16027,9 +20289,9 @@
 </file>
 
 <file path=ppt/theme/theme3.xml><?xml version="1.0" encoding="utf-8"?>
-<a:theme xmlns:a="http://schemas.openxmlformats.org/drawingml/2006/main" xmlns:r="http://schemas.openxmlformats.org/officeDocument/2006/relationships" name="Simple Light">
+<a:theme xmlns:a="http://schemas.openxmlformats.org/drawingml/2006/main" xmlns:r="http://schemas.openxmlformats.org/officeDocument/2006/relationships">
   <a:themeElements>
-    <a:clrScheme name="Simple Light">
+    <a:clrScheme name="Default">
       <a:dk1>
         <a:srgbClr val="000000"/>
       </a:dk1>
@@ -16037,34 +20299,34 @@
         <a:srgbClr val="FFFFFF"/>
       </a:lt1>
       <a:dk2>
-        <a:srgbClr val="595959"/>
+        <a:srgbClr val="158158"/>
       </a:dk2>
       <a:lt2>
-        <a:srgbClr val="EEEEEE"/>
+        <a:srgbClr val="F3F3F3"/>
       </a:lt2>
       <a:accent1>
-        <a:srgbClr val="4285F4"/>
+        <a:srgbClr val="058DC7"/>
       </a:accent1>
       <a:accent2>
-        <a:srgbClr val="212121"/>
+        <a:srgbClr val="50B432"/>
       </a:accent2>
       <a:accent3>
-        <a:srgbClr val="78909C"/>
+        <a:srgbClr val="ED561B"/>
       </a:accent3>
       <a:accent4>
-        <a:srgbClr val="FFAB40"/>
+        <a:srgbClr val="EDEF00"/>
       </a:accent4>
       <a:accent5>
-        <a:srgbClr val="0097A7"/>
+        <a:srgbClr val="24CBE5"/>
       </a:accent5>
       <a:accent6>
-        <a:srgbClr val="EEFF41"/>
+        <a:srgbClr val="64E572"/>
       </a:accent6>
       <a:hlink>
-        <a:srgbClr val="0097A7"/>
+        <a:srgbClr val="2200CC"/>
       </a:hlink>
       <a:folHlink>
-        <a:srgbClr val="0097A7"/>
+        <a:srgbClr val="551A8B"/>
       </a:folHlink>
     </a:clrScheme>
     <a:fontScheme name="Office">
